--- a/Modelling/Presentation.pptx
+++ b/Modelling/Presentation.pptx
@@ -7516,7 +7516,7 @@
         <p:spPr>
           <a:xfrm>
             <a:off x="1132114" y="1001486"/>
-            <a:ext cx="9110186" cy="4524315"/>
+            <a:ext cx="10923183" cy="4524315"/>
           </a:xfrm>
           <a:prstGeom prst="rect">
             <a:avLst/>
@@ -7577,7 +7577,7 @@
                 <a:effectLst/>
                 <a:latin typeface="Menlo" panose="020B0609030804020204" pitchFamily="49" charset="0"/>
               </a:rPr>
-              <a:t> Videos which have a media component </a:t>
+              <a:t> Videos which have Insulin </a:t>
             </a:r>
             <a:r>
               <a:rPr lang="en-IN" b="0" dirty="0">
@@ -7587,6 +7587,26 @@
                 <a:effectLst/>
                 <a:latin typeface="Menlo" panose="020B0609030804020204" pitchFamily="49" charset="0"/>
               </a:rPr>
+              <a:t>as</a:t>
+            </a:r>
+            <a:r>
+              <a:rPr lang="en-IN" b="0" dirty="0">
+                <a:solidFill>
+                  <a:srgbClr val="000000"/>
+                </a:solidFill>
+                <a:effectLst/>
+                <a:latin typeface="Menlo" panose="020B0609030804020204" pitchFamily="49" charset="0"/>
+              </a:rPr>
+              <a:t> a cellular component </a:t>
+            </a:r>
+            <a:r>
+              <a:rPr lang="en-IN" b="0" dirty="0">
+                <a:solidFill>
+                  <a:srgbClr val="0000FF"/>
+                </a:solidFill>
+                <a:effectLst/>
+                <a:latin typeface="Menlo" panose="020B0609030804020204" pitchFamily="49" charset="0"/>
+              </a:rPr>
               <a:t>in</a:t>
             </a:r>
             <a:r>
@@ -7597,7 +7617,7 @@
                 <a:effectLst/>
                 <a:latin typeface="Menlo" panose="020B0609030804020204" pitchFamily="49" charset="0"/>
               </a:rPr>
-              <a:t> them. </a:t>
+              <a:t> them.</a:t>
             </a:r>
           </a:p>
           <a:p>
@@ -8037,7 +8057,7 @@
           </a:p>
           <a:p>
             <a:br>
-              <a:rPr lang="en-IN" b="0" dirty="0">
+              <a:rPr lang="en-IN" b="0">
                 <a:solidFill>
                   <a:srgbClr val="000000"/>
                 </a:solidFill>
@@ -8045,7 +8065,7 @@
                 <a:latin typeface="Menlo" panose="020B0609030804020204" pitchFamily="49" charset="0"/>
               </a:rPr>
             </a:br>
-            <a:endParaRPr lang="en-IN" b="0" dirty="0">
+            <a:endParaRPr lang="en-IN" b="0">
               <a:solidFill>
                 <a:srgbClr val="000000"/>
               </a:solidFill>

--- a/Modelling/Presentation.pptx
+++ b/Modelling/Presentation.pptx
@@ -6,8 +6,8 @@
   </p:sldMasterIdLst>
   <p:sldIdLst>
     <p:sldId id="256" r:id="rId2"/>
-    <p:sldId id="259" r:id="rId3"/>
-    <p:sldId id="257" r:id="rId4"/>
+    <p:sldId id="257" r:id="rId3"/>
+    <p:sldId id="259" r:id="rId4"/>
     <p:sldId id="258" r:id="rId5"/>
   </p:sldIdLst>
   <p:sldSz cx="12192000" cy="6858000"/>
@@ -3430,6 +3430,610 @@
           <a:chExt cx="0" cy="0"/>
         </a:xfrm>
       </p:grpSpPr>
+      <p:sp>
+        <p:nvSpPr>
+          <p:cNvPr id="4" name="TextBox 3">
+            <a:extLst>
+              <a:ext uri="{FF2B5EF4-FFF2-40B4-BE49-F238E27FC236}">
+                <a16:creationId xmlns:a16="http://schemas.microsoft.com/office/drawing/2014/main" id="{AABCF21F-7F9E-0F79-AD07-A47F7049A40F}"/>
+              </a:ext>
+            </a:extLst>
+          </p:cNvPr>
+          <p:cNvSpPr txBox="1"/>
+          <p:nvPr/>
+        </p:nvSpPr>
+        <p:spPr>
+          <a:xfrm>
+            <a:off x="1132114" y="1001486"/>
+            <a:ext cx="10923183" cy="4524315"/>
+          </a:xfrm>
+          <a:prstGeom prst="rect">
+            <a:avLst/>
+          </a:prstGeom>
+          <a:noFill/>
+        </p:spPr>
+        <p:txBody>
+          <a:bodyPr wrap="none" rtlCol="0">
+            <a:spAutoFit/>
+          </a:bodyPr>
+          <a:lstStyle/>
+          <a:p>
+            <a:r>
+              <a:rPr lang="en-IN" b="0" dirty="0">
+                <a:solidFill>
+                  <a:srgbClr val="000000"/>
+                </a:solidFill>
+                <a:effectLst/>
+                <a:latin typeface="Menlo" panose="020B0609030804020204" pitchFamily="49" charset="0"/>
+              </a:rPr>
+              <a:t>// Query </a:t>
+            </a:r>
+            <a:r>
+              <a:rPr lang="en-IN" b="0" dirty="0">
+                <a:solidFill>
+                  <a:srgbClr val="0000FF"/>
+                </a:solidFill>
+                <a:effectLst/>
+                <a:latin typeface="Menlo" panose="020B0609030804020204" pitchFamily="49" charset="0"/>
+              </a:rPr>
+              <a:t>to</a:t>
+            </a:r>
+            <a:r>
+              <a:rPr lang="en-IN" b="0" dirty="0">
+                <a:solidFill>
+                  <a:srgbClr val="000000"/>
+                </a:solidFill>
+                <a:effectLst/>
+                <a:latin typeface="Menlo" panose="020B0609030804020204" pitchFamily="49" charset="0"/>
+              </a:rPr>
+              <a:t> </a:t>
+            </a:r>
+            <a:r>
+              <a:rPr lang="en-IN" b="0" dirty="0">
+                <a:solidFill>
+                  <a:srgbClr val="0000FF"/>
+                </a:solidFill>
+                <a:effectLst/>
+                <a:latin typeface="Menlo" panose="020B0609030804020204" pitchFamily="49" charset="0"/>
+              </a:rPr>
+              <a:t>Select</a:t>
+            </a:r>
+            <a:r>
+              <a:rPr lang="en-IN" b="0" dirty="0">
+                <a:solidFill>
+                  <a:srgbClr val="000000"/>
+                </a:solidFill>
+                <a:effectLst/>
+                <a:latin typeface="Menlo" panose="020B0609030804020204" pitchFamily="49" charset="0"/>
+              </a:rPr>
+              <a:t> Videos which have Insulin </a:t>
+            </a:r>
+            <a:r>
+              <a:rPr lang="en-IN" b="0" dirty="0">
+                <a:solidFill>
+                  <a:srgbClr val="0000FF"/>
+                </a:solidFill>
+                <a:effectLst/>
+                <a:latin typeface="Menlo" panose="020B0609030804020204" pitchFamily="49" charset="0"/>
+              </a:rPr>
+              <a:t>as</a:t>
+            </a:r>
+            <a:r>
+              <a:rPr lang="en-IN" b="0" dirty="0">
+                <a:solidFill>
+                  <a:srgbClr val="000000"/>
+                </a:solidFill>
+                <a:effectLst/>
+                <a:latin typeface="Menlo" panose="020B0609030804020204" pitchFamily="49" charset="0"/>
+              </a:rPr>
+              <a:t> a cellular component </a:t>
+            </a:r>
+            <a:r>
+              <a:rPr lang="en-IN" b="0" dirty="0">
+                <a:solidFill>
+                  <a:srgbClr val="0000FF"/>
+                </a:solidFill>
+                <a:effectLst/>
+                <a:latin typeface="Menlo" panose="020B0609030804020204" pitchFamily="49" charset="0"/>
+              </a:rPr>
+              <a:t>in</a:t>
+            </a:r>
+            <a:r>
+              <a:rPr lang="en-IN" b="0" dirty="0">
+                <a:solidFill>
+                  <a:srgbClr val="000000"/>
+                </a:solidFill>
+                <a:effectLst/>
+                <a:latin typeface="Menlo" panose="020B0609030804020204" pitchFamily="49" charset="0"/>
+              </a:rPr>
+              <a:t> them.</a:t>
+            </a:r>
+          </a:p>
+          <a:p>
+            <a:r>
+              <a:rPr lang="en-IN" b="0" dirty="0">
+                <a:solidFill>
+                  <a:srgbClr val="0000FF"/>
+                </a:solidFill>
+                <a:effectLst/>
+                <a:latin typeface="Menlo" panose="020B0609030804020204" pitchFamily="49" charset="0"/>
+              </a:rPr>
+              <a:t>SELECT</a:t>
+            </a:r>
+            <a:endParaRPr lang="en-IN" b="0" dirty="0">
+              <a:solidFill>
+                <a:srgbClr val="000000"/>
+              </a:solidFill>
+              <a:effectLst/>
+              <a:latin typeface="Menlo" panose="020B0609030804020204" pitchFamily="49" charset="0"/>
+            </a:endParaRPr>
+          </a:p>
+          <a:p>
+            <a:r>
+              <a:rPr lang="en-IN" b="0" dirty="0" err="1">
+                <a:solidFill>
+                  <a:srgbClr val="000000"/>
+                </a:solidFill>
+                <a:effectLst/>
+                <a:latin typeface="Menlo" panose="020B0609030804020204" pitchFamily="49" charset="0"/>
+              </a:rPr>
+              <a:t>V.video_id</a:t>
+            </a:r>
+            <a:r>
+              <a:rPr lang="en-IN" b="0" dirty="0">
+                <a:solidFill>
+                  <a:srgbClr val="000000"/>
+                </a:solidFill>
+                <a:effectLst/>
+                <a:latin typeface="Menlo" panose="020B0609030804020204" pitchFamily="49" charset="0"/>
+              </a:rPr>
+              <a:t>,</a:t>
+            </a:r>
+          </a:p>
+          <a:p>
+            <a:r>
+              <a:rPr lang="en-IN" b="0" dirty="0" err="1">
+                <a:solidFill>
+                  <a:srgbClr val="000000"/>
+                </a:solidFill>
+                <a:effectLst/>
+                <a:latin typeface="Menlo" panose="020B0609030804020204" pitchFamily="49" charset="0"/>
+              </a:rPr>
+              <a:t>M.media_name</a:t>
+            </a:r>
+            <a:r>
+              <a:rPr lang="en-IN" b="0" dirty="0">
+                <a:solidFill>
+                  <a:srgbClr val="000000"/>
+                </a:solidFill>
+                <a:effectLst/>
+                <a:latin typeface="Menlo" panose="020B0609030804020204" pitchFamily="49" charset="0"/>
+              </a:rPr>
+              <a:t>,</a:t>
+            </a:r>
+          </a:p>
+          <a:p>
+            <a:r>
+              <a:rPr lang="en-IN" b="0" dirty="0" err="1">
+                <a:solidFill>
+                  <a:srgbClr val="000000"/>
+                </a:solidFill>
+                <a:effectLst/>
+                <a:latin typeface="Menlo" panose="020B0609030804020204" pitchFamily="49" charset="0"/>
+              </a:rPr>
+              <a:t>C.pdb_id</a:t>
+            </a:r>
+            <a:endParaRPr lang="en-IN" b="0" dirty="0">
+              <a:solidFill>
+                <a:srgbClr val="000000"/>
+              </a:solidFill>
+              <a:effectLst/>
+              <a:latin typeface="Menlo" panose="020B0609030804020204" pitchFamily="49" charset="0"/>
+            </a:endParaRPr>
+          </a:p>
+          <a:p>
+            <a:br>
+              <a:rPr lang="en-IN" b="0" dirty="0">
+                <a:solidFill>
+                  <a:srgbClr val="000000"/>
+                </a:solidFill>
+                <a:effectLst/>
+                <a:latin typeface="Menlo" panose="020B0609030804020204" pitchFamily="49" charset="0"/>
+              </a:rPr>
+            </a:br>
+            <a:r>
+              <a:rPr lang="en-IN" b="0" dirty="0">
+                <a:solidFill>
+                  <a:srgbClr val="0000FF"/>
+                </a:solidFill>
+                <a:effectLst/>
+                <a:latin typeface="Menlo" panose="020B0609030804020204" pitchFamily="49" charset="0"/>
+              </a:rPr>
+              <a:t>FROM</a:t>
+            </a:r>
+            <a:r>
+              <a:rPr lang="en-IN" b="0" dirty="0">
+                <a:solidFill>
+                  <a:srgbClr val="000000"/>
+                </a:solidFill>
+                <a:effectLst/>
+                <a:latin typeface="Menlo" panose="020B0609030804020204" pitchFamily="49" charset="0"/>
+              </a:rPr>
+              <a:t> Media M</a:t>
+            </a:r>
+          </a:p>
+          <a:p>
+            <a:r>
+              <a:rPr lang="en-IN" b="0" dirty="0">
+                <a:solidFill>
+                  <a:srgbClr val="0000FF"/>
+                </a:solidFill>
+                <a:effectLst/>
+                <a:latin typeface="Menlo" panose="020B0609030804020204" pitchFamily="49" charset="0"/>
+              </a:rPr>
+              <a:t>INNER JOIN</a:t>
+            </a:r>
+            <a:r>
+              <a:rPr lang="en-IN" b="0" dirty="0">
+                <a:solidFill>
+                  <a:srgbClr val="000000"/>
+                </a:solidFill>
+                <a:effectLst/>
+                <a:latin typeface="Menlo" panose="020B0609030804020204" pitchFamily="49" charset="0"/>
+              </a:rPr>
+              <a:t> </a:t>
+            </a:r>
+            <a:r>
+              <a:rPr lang="en-IN" b="0" dirty="0" err="1">
+                <a:solidFill>
+                  <a:srgbClr val="000000"/>
+                </a:solidFill>
+                <a:effectLst/>
+                <a:latin typeface="Menlo" panose="020B0609030804020204" pitchFamily="49" charset="0"/>
+              </a:rPr>
+              <a:t>Cellular_Components</a:t>
+            </a:r>
+            <a:r>
+              <a:rPr lang="en-IN" b="0" dirty="0">
+                <a:solidFill>
+                  <a:srgbClr val="000000"/>
+                </a:solidFill>
+                <a:effectLst/>
+                <a:latin typeface="Menlo" panose="020B0609030804020204" pitchFamily="49" charset="0"/>
+              </a:rPr>
+              <a:t> C </a:t>
+            </a:r>
+            <a:r>
+              <a:rPr lang="en-IN" b="0" dirty="0">
+                <a:solidFill>
+                  <a:srgbClr val="0000FF"/>
+                </a:solidFill>
+                <a:effectLst/>
+                <a:latin typeface="Menlo" panose="020B0609030804020204" pitchFamily="49" charset="0"/>
+              </a:rPr>
+              <a:t>ON</a:t>
+            </a:r>
+            <a:r>
+              <a:rPr lang="en-IN" b="0" dirty="0">
+                <a:solidFill>
+                  <a:srgbClr val="000000"/>
+                </a:solidFill>
+                <a:effectLst/>
+                <a:latin typeface="Menlo" panose="020B0609030804020204" pitchFamily="49" charset="0"/>
+              </a:rPr>
+              <a:t> (</a:t>
+            </a:r>
+            <a:r>
+              <a:rPr lang="en-IN" b="0" dirty="0" err="1">
+                <a:solidFill>
+                  <a:srgbClr val="000000"/>
+                </a:solidFill>
+                <a:effectLst/>
+                <a:latin typeface="Menlo" panose="020B0609030804020204" pitchFamily="49" charset="0"/>
+              </a:rPr>
+              <a:t>M.pdb_id</a:t>
+            </a:r>
+            <a:r>
+              <a:rPr lang="en-IN" b="0" dirty="0">
+                <a:solidFill>
+                  <a:srgbClr val="000000"/>
+                </a:solidFill>
+                <a:effectLst/>
+                <a:latin typeface="Menlo" panose="020B0609030804020204" pitchFamily="49" charset="0"/>
+              </a:rPr>
+              <a:t> = </a:t>
+            </a:r>
+            <a:r>
+              <a:rPr lang="en-IN" b="0" dirty="0" err="1">
+                <a:solidFill>
+                  <a:srgbClr val="000000"/>
+                </a:solidFill>
+                <a:effectLst/>
+                <a:latin typeface="Menlo" panose="020B0609030804020204" pitchFamily="49" charset="0"/>
+              </a:rPr>
+              <a:t>C.pdb_id</a:t>
+            </a:r>
+            <a:r>
+              <a:rPr lang="en-IN" b="0" dirty="0">
+                <a:solidFill>
+                  <a:srgbClr val="000000"/>
+                </a:solidFill>
+                <a:effectLst/>
+                <a:latin typeface="Menlo" panose="020B0609030804020204" pitchFamily="49" charset="0"/>
+              </a:rPr>
+              <a:t>)</a:t>
+            </a:r>
+          </a:p>
+          <a:p>
+            <a:r>
+              <a:rPr lang="en-IN" b="0" dirty="0">
+                <a:solidFill>
+                  <a:srgbClr val="0000FF"/>
+                </a:solidFill>
+                <a:effectLst/>
+                <a:latin typeface="Menlo" panose="020B0609030804020204" pitchFamily="49" charset="0"/>
+              </a:rPr>
+              <a:t>INNER JOIN</a:t>
+            </a:r>
+            <a:r>
+              <a:rPr lang="en-IN" b="0" dirty="0">
+                <a:solidFill>
+                  <a:srgbClr val="000000"/>
+                </a:solidFill>
+                <a:effectLst/>
+                <a:latin typeface="Menlo" panose="020B0609030804020204" pitchFamily="49" charset="0"/>
+              </a:rPr>
+              <a:t> Video V </a:t>
+            </a:r>
+            <a:r>
+              <a:rPr lang="en-IN" b="0" dirty="0">
+                <a:solidFill>
+                  <a:srgbClr val="0000FF"/>
+                </a:solidFill>
+                <a:effectLst/>
+                <a:latin typeface="Menlo" panose="020B0609030804020204" pitchFamily="49" charset="0"/>
+              </a:rPr>
+              <a:t>ON</a:t>
+            </a:r>
+            <a:r>
+              <a:rPr lang="en-IN" b="0" dirty="0">
+                <a:solidFill>
+                  <a:srgbClr val="000000"/>
+                </a:solidFill>
+                <a:effectLst/>
+                <a:latin typeface="Menlo" panose="020B0609030804020204" pitchFamily="49" charset="0"/>
+              </a:rPr>
+              <a:t> (</a:t>
+            </a:r>
+            <a:r>
+              <a:rPr lang="en-IN" b="0" dirty="0" err="1">
+                <a:solidFill>
+                  <a:srgbClr val="000000"/>
+                </a:solidFill>
+                <a:effectLst/>
+                <a:latin typeface="Menlo" panose="020B0609030804020204" pitchFamily="49" charset="0"/>
+              </a:rPr>
+              <a:t>M.video_id</a:t>
+            </a:r>
+            <a:r>
+              <a:rPr lang="en-IN" b="0" dirty="0">
+                <a:solidFill>
+                  <a:srgbClr val="000000"/>
+                </a:solidFill>
+                <a:effectLst/>
+                <a:latin typeface="Menlo" panose="020B0609030804020204" pitchFamily="49" charset="0"/>
+              </a:rPr>
+              <a:t> = </a:t>
+            </a:r>
+            <a:r>
+              <a:rPr lang="en-IN" b="0" dirty="0" err="1">
+                <a:solidFill>
+                  <a:srgbClr val="000000"/>
+                </a:solidFill>
+                <a:effectLst/>
+                <a:latin typeface="Menlo" panose="020B0609030804020204" pitchFamily="49" charset="0"/>
+              </a:rPr>
+              <a:t>V.video_id</a:t>
+            </a:r>
+            <a:r>
+              <a:rPr lang="en-IN" b="0" dirty="0">
+                <a:solidFill>
+                  <a:srgbClr val="000000"/>
+                </a:solidFill>
+                <a:effectLst/>
+                <a:latin typeface="Menlo" panose="020B0609030804020204" pitchFamily="49" charset="0"/>
+              </a:rPr>
+              <a:t>)</a:t>
+            </a:r>
+          </a:p>
+          <a:p>
+            <a:br>
+              <a:rPr lang="en-IN" b="0" dirty="0">
+                <a:solidFill>
+                  <a:srgbClr val="000000"/>
+                </a:solidFill>
+                <a:effectLst/>
+                <a:latin typeface="Menlo" panose="020B0609030804020204" pitchFamily="49" charset="0"/>
+              </a:rPr>
+            </a:br>
+            <a:r>
+              <a:rPr lang="en-IN" b="0" dirty="0">
+                <a:solidFill>
+                  <a:srgbClr val="0000FF"/>
+                </a:solidFill>
+                <a:effectLst/>
+                <a:latin typeface="Menlo" panose="020B0609030804020204" pitchFamily="49" charset="0"/>
+              </a:rPr>
+              <a:t>WHERE</a:t>
+            </a:r>
+            <a:r>
+              <a:rPr lang="en-IN" b="0" dirty="0">
+                <a:solidFill>
+                  <a:srgbClr val="000000"/>
+                </a:solidFill>
+                <a:effectLst/>
+                <a:latin typeface="Menlo" panose="020B0609030804020204" pitchFamily="49" charset="0"/>
+              </a:rPr>
+              <a:t> </a:t>
+            </a:r>
+            <a:r>
+              <a:rPr lang="en-IN" b="0" dirty="0" err="1">
+                <a:solidFill>
+                  <a:srgbClr val="000000"/>
+                </a:solidFill>
+                <a:effectLst/>
+                <a:latin typeface="Menlo" panose="020B0609030804020204" pitchFamily="49" charset="0"/>
+              </a:rPr>
+              <a:t>C.cellular_component_name</a:t>
+            </a:r>
+            <a:r>
+              <a:rPr lang="en-IN" b="0" dirty="0">
+                <a:solidFill>
+                  <a:srgbClr val="000000"/>
+                </a:solidFill>
+                <a:effectLst/>
+                <a:latin typeface="Menlo" panose="020B0609030804020204" pitchFamily="49" charset="0"/>
+              </a:rPr>
+              <a:t> </a:t>
+            </a:r>
+            <a:r>
+              <a:rPr lang="en-IN" b="0" dirty="0">
+                <a:solidFill>
+                  <a:srgbClr val="0000FF"/>
+                </a:solidFill>
+                <a:effectLst/>
+                <a:latin typeface="Menlo" panose="020B0609030804020204" pitchFamily="49" charset="0"/>
+              </a:rPr>
+              <a:t>LIKE</a:t>
+            </a:r>
+            <a:r>
+              <a:rPr lang="en-IN" b="0" dirty="0">
+                <a:solidFill>
+                  <a:srgbClr val="000000"/>
+                </a:solidFill>
+                <a:effectLst/>
+                <a:latin typeface="Menlo" panose="020B0609030804020204" pitchFamily="49" charset="0"/>
+              </a:rPr>
+              <a:t> </a:t>
+            </a:r>
+            <a:r>
+              <a:rPr lang="en-IN" b="0" dirty="0">
+                <a:solidFill>
+                  <a:srgbClr val="A31515"/>
+                </a:solidFill>
+                <a:effectLst/>
+                <a:latin typeface="Menlo" panose="020B0609030804020204" pitchFamily="49" charset="0"/>
+              </a:rPr>
+              <a:t>'%Insulin%'</a:t>
+            </a:r>
+            <a:endParaRPr lang="en-IN" b="0" dirty="0">
+              <a:solidFill>
+                <a:srgbClr val="000000"/>
+              </a:solidFill>
+              <a:effectLst/>
+              <a:latin typeface="Menlo" panose="020B0609030804020204" pitchFamily="49" charset="0"/>
+            </a:endParaRPr>
+          </a:p>
+          <a:p>
+            <a:br>
+              <a:rPr lang="en-IN" b="0" dirty="0">
+                <a:solidFill>
+                  <a:srgbClr val="000000"/>
+                </a:solidFill>
+                <a:effectLst/>
+                <a:latin typeface="Menlo" panose="020B0609030804020204" pitchFamily="49" charset="0"/>
+              </a:rPr>
+            </a:br>
+            <a:r>
+              <a:rPr lang="en-IN" b="0" dirty="0">
+                <a:solidFill>
+                  <a:srgbClr val="0000FF"/>
+                </a:solidFill>
+                <a:effectLst/>
+                <a:latin typeface="Menlo" panose="020B0609030804020204" pitchFamily="49" charset="0"/>
+              </a:rPr>
+              <a:t>GROUP BY</a:t>
+            </a:r>
+            <a:endParaRPr lang="en-IN" b="0" dirty="0">
+              <a:solidFill>
+                <a:srgbClr val="000000"/>
+              </a:solidFill>
+              <a:effectLst/>
+              <a:latin typeface="Menlo" panose="020B0609030804020204" pitchFamily="49" charset="0"/>
+            </a:endParaRPr>
+          </a:p>
+          <a:p>
+            <a:r>
+              <a:rPr lang="en-IN" b="0" dirty="0" err="1">
+                <a:solidFill>
+                  <a:srgbClr val="000000"/>
+                </a:solidFill>
+                <a:effectLst/>
+                <a:latin typeface="Menlo" panose="020B0609030804020204" pitchFamily="49" charset="0"/>
+              </a:rPr>
+              <a:t>V.video_id</a:t>
+            </a:r>
+            <a:r>
+              <a:rPr lang="en-IN" b="0" dirty="0">
+                <a:solidFill>
+                  <a:srgbClr val="000000"/>
+                </a:solidFill>
+                <a:effectLst/>
+                <a:latin typeface="Menlo" panose="020B0609030804020204" pitchFamily="49" charset="0"/>
+              </a:rPr>
+              <a:t>,</a:t>
+            </a:r>
+          </a:p>
+          <a:p>
+            <a:br>
+              <a:rPr lang="en-IN" b="0" dirty="0">
+                <a:solidFill>
+                  <a:srgbClr val="000000"/>
+                </a:solidFill>
+                <a:effectLst/>
+                <a:latin typeface="Menlo" panose="020B0609030804020204" pitchFamily="49" charset="0"/>
+              </a:rPr>
+            </a:br>
+            <a:endParaRPr lang="en-IN" b="0" dirty="0">
+              <a:solidFill>
+                <a:srgbClr val="000000"/>
+              </a:solidFill>
+              <a:effectLst/>
+              <a:latin typeface="Menlo" panose="020B0609030804020204" pitchFamily="49" charset="0"/>
+            </a:endParaRPr>
+          </a:p>
+        </p:txBody>
+      </p:sp>
+    </p:spTree>
+    <p:extLst>
+      <p:ext uri="{BB962C8B-B14F-4D97-AF65-F5344CB8AC3E}">
+        <p14:creationId xmlns:p14="http://schemas.microsoft.com/office/powerpoint/2010/main" val="3222238865"/>
+      </p:ext>
+    </p:extLst>
+  </p:cSld>
+  <p:clrMapOvr>
+    <a:masterClrMapping/>
+  </p:clrMapOvr>
+</p:sld>
+</file>
+
+<file path=ppt/slides/slide3.xml><?xml version="1.0" encoding="utf-8"?>
+<p:sld xmlns:a="http://schemas.openxmlformats.org/drawingml/2006/main" xmlns:r="http://schemas.openxmlformats.org/officeDocument/2006/relationships" xmlns:p="http://schemas.openxmlformats.org/presentationml/2006/main">
+  <p:cSld>
+    <p:spTree>
+      <p:nvGrpSpPr>
+        <p:cNvPr id="1" name=""/>
+        <p:cNvGrpSpPr/>
+        <p:nvPr/>
+      </p:nvGrpSpPr>
+      <p:grpSpPr>
+        <a:xfrm>
+          <a:off x="0" y="0"/>
+          <a:ext cx="0" cy="0"/>
+          <a:chOff x="0" y="0"/>
+          <a:chExt cx="0" cy="0"/>
+        </a:xfrm>
+      </p:grpSpPr>
       <p:graphicFrame>
         <p:nvGraphicFramePr>
           <p:cNvPr id="5" name="Table 4">
@@ -7471,42 +8075,12 @@
           </a:p>
         </p:txBody>
       </p:sp>
-    </p:spTree>
-    <p:extLst>
-      <p:ext uri="{BB962C8B-B14F-4D97-AF65-F5344CB8AC3E}">
-        <p14:creationId xmlns:p14="http://schemas.microsoft.com/office/powerpoint/2010/main" val="3349105932"/>
-      </p:ext>
-    </p:extLst>
-  </p:cSld>
-  <p:clrMapOvr>
-    <a:masterClrMapping/>
-  </p:clrMapOvr>
-</p:sld>
-</file>
-
-<file path=ppt/slides/slide3.xml><?xml version="1.0" encoding="utf-8"?>
-<p:sld xmlns:a="http://schemas.openxmlformats.org/drawingml/2006/main" xmlns:r="http://schemas.openxmlformats.org/officeDocument/2006/relationships" xmlns:p="http://schemas.openxmlformats.org/presentationml/2006/main">
-  <p:cSld>
-    <p:spTree>
-      <p:nvGrpSpPr>
-        <p:cNvPr id="1" name=""/>
-        <p:cNvGrpSpPr/>
-        <p:nvPr/>
-      </p:nvGrpSpPr>
-      <p:grpSpPr>
-        <a:xfrm>
-          <a:off x="0" y="0"/>
-          <a:ext cx="0" cy="0"/>
-          <a:chOff x="0" y="0"/>
-          <a:chExt cx="0" cy="0"/>
-        </a:xfrm>
-      </p:grpSpPr>
       <p:sp>
         <p:nvSpPr>
-          <p:cNvPr id="4" name="TextBox 3">
+          <p:cNvPr id="16" name="TextBox 15">
             <a:extLst>
               <a:ext uri="{FF2B5EF4-FFF2-40B4-BE49-F238E27FC236}">
-                <a16:creationId xmlns:a16="http://schemas.microsoft.com/office/drawing/2014/main" id="{AABCF21F-7F9E-0F79-AD07-A47F7049A40F}"/>
+                <a16:creationId xmlns:a16="http://schemas.microsoft.com/office/drawing/2014/main" id="{0E24D683-D254-6A99-6564-6D117172ACC5}"/>
               </a:ext>
             </a:extLst>
           </p:cNvPr>
@@ -7515,8 +8089,8 @@
         </p:nvSpPr>
         <p:spPr>
           <a:xfrm>
-            <a:off x="1132114" y="1001486"/>
-            <a:ext cx="10923183" cy="4524315"/>
+            <a:off x="391886" y="141514"/>
+            <a:ext cx="932819" cy="369332"/>
           </a:xfrm>
           <a:prstGeom prst="rect">
             <a:avLst/>
@@ -7530,555 +8104,16 @@
           <a:lstStyle/>
           <a:p>
             <a:r>
-              <a:rPr lang="en-IN" b="0" dirty="0">
-                <a:solidFill>
-                  <a:srgbClr val="000000"/>
-                </a:solidFill>
-                <a:effectLst/>
-                <a:latin typeface="Menlo" panose="020B0609030804020204" pitchFamily="49" charset="0"/>
-              </a:rPr>
-              <a:t>// Query </a:t>
-            </a:r>
-            <a:r>
-              <a:rPr lang="en-IN" b="0" dirty="0">
-                <a:solidFill>
-                  <a:srgbClr val="0000FF"/>
-                </a:solidFill>
-                <a:effectLst/>
-                <a:latin typeface="Menlo" panose="020B0609030804020204" pitchFamily="49" charset="0"/>
-              </a:rPr>
-              <a:t>to</a:t>
-            </a:r>
-            <a:r>
-              <a:rPr lang="en-IN" b="0" dirty="0">
-                <a:solidFill>
-                  <a:srgbClr val="000000"/>
-                </a:solidFill>
-                <a:effectLst/>
-                <a:latin typeface="Menlo" panose="020B0609030804020204" pitchFamily="49" charset="0"/>
-              </a:rPr>
-              <a:t> </a:t>
-            </a:r>
-            <a:r>
-              <a:rPr lang="en-IN" b="0" dirty="0">
-                <a:solidFill>
-                  <a:srgbClr val="0000FF"/>
-                </a:solidFill>
-                <a:effectLst/>
-                <a:latin typeface="Menlo" panose="020B0609030804020204" pitchFamily="49" charset="0"/>
-              </a:rPr>
-              <a:t>Select</a:t>
-            </a:r>
-            <a:r>
-              <a:rPr lang="en-IN" b="0" dirty="0">
-                <a:solidFill>
-                  <a:srgbClr val="000000"/>
-                </a:solidFill>
-                <a:effectLst/>
-                <a:latin typeface="Menlo" panose="020B0609030804020204" pitchFamily="49" charset="0"/>
-              </a:rPr>
-              <a:t> Videos which have Insulin </a:t>
-            </a:r>
-            <a:r>
-              <a:rPr lang="en-IN" b="0" dirty="0">
-                <a:solidFill>
-                  <a:srgbClr val="0000FF"/>
-                </a:solidFill>
-                <a:effectLst/>
-                <a:latin typeface="Menlo" panose="020B0609030804020204" pitchFamily="49" charset="0"/>
-              </a:rPr>
-              <a:t>as</a:t>
-            </a:r>
-            <a:r>
-              <a:rPr lang="en-IN" b="0" dirty="0">
-                <a:solidFill>
-                  <a:srgbClr val="000000"/>
-                </a:solidFill>
-                <a:effectLst/>
-                <a:latin typeface="Menlo" panose="020B0609030804020204" pitchFamily="49" charset="0"/>
-              </a:rPr>
-              <a:t> a cellular component </a:t>
-            </a:r>
-            <a:r>
-              <a:rPr lang="en-IN" b="0" dirty="0">
-                <a:solidFill>
-                  <a:srgbClr val="0000FF"/>
-                </a:solidFill>
-                <a:effectLst/>
-                <a:latin typeface="Menlo" panose="020B0609030804020204" pitchFamily="49" charset="0"/>
-              </a:rPr>
-              <a:t>in</a:t>
-            </a:r>
-            <a:r>
-              <a:rPr lang="en-IN" b="0" dirty="0">
-                <a:solidFill>
-                  <a:srgbClr val="000000"/>
-                </a:solidFill>
-                <a:effectLst/>
-                <a:latin typeface="Menlo" panose="020B0609030804020204" pitchFamily="49" charset="0"/>
-              </a:rPr>
-              <a:t> them.</a:t>
-            </a:r>
-          </a:p>
-          <a:p>
-            <a:r>
-              <a:rPr lang="en-IN" b="0" dirty="0">
-                <a:solidFill>
-                  <a:srgbClr val="0000FF"/>
-                </a:solidFill>
-                <a:effectLst/>
-                <a:latin typeface="Menlo" panose="020B0609030804020204" pitchFamily="49" charset="0"/>
-              </a:rPr>
-              <a:t>SELECT</a:t>
-            </a:r>
-            <a:endParaRPr lang="en-IN" b="0" dirty="0">
-              <a:solidFill>
-                <a:srgbClr val="000000"/>
-              </a:solidFill>
-              <a:effectLst/>
-              <a:latin typeface="Menlo" panose="020B0609030804020204" pitchFamily="49" charset="0"/>
-            </a:endParaRPr>
-          </a:p>
-          <a:p>
-            <a:r>
-              <a:rPr lang="en-IN" b="0" dirty="0" err="1">
-                <a:solidFill>
-                  <a:srgbClr val="000000"/>
-                </a:solidFill>
-                <a:effectLst/>
-                <a:latin typeface="Menlo" panose="020B0609030804020204" pitchFamily="49" charset="0"/>
-              </a:rPr>
-              <a:t>V.video_id</a:t>
-            </a:r>
-            <a:r>
-              <a:rPr lang="en-IN" b="0" dirty="0">
-                <a:solidFill>
-                  <a:srgbClr val="000000"/>
-                </a:solidFill>
-                <a:effectLst/>
-                <a:latin typeface="Menlo" panose="020B0609030804020204" pitchFamily="49" charset="0"/>
-              </a:rPr>
-              <a:t>,</a:t>
-            </a:r>
-          </a:p>
-          <a:p>
-            <a:r>
-              <a:rPr lang="en-IN" b="0" dirty="0" err="1">
-                <a:solidFill>
-                  <a:srgbClr val="000000"/>
-                </a:solidFill>
-                <a:effectLst/>
-                <a:latin typeface="Menlo" panose="020B0609030804020204" pitchFamily="49" charset="0"/>
-              </a:rPr>
-              <a:t>M.media_name</a:t>
-            </a:r>
-            <a:r>
-              <a:rPr lang="en-IN" b="0" dirty="0">
-                <a:solidFill>
-                  <a:srgbClr val="000000"/>
-                </a:solidFill>
-                <a:effectLst/>
-                <a:latin typeface="Menlo" panose="020B0609030804020204" pitchFamily="49" charset="0"/>
-              </a:rPr>
-              <a:t>,</a:t>
-            </a:r>
-          </a:p>
-          <a:p>
-            <a:r>
-              <a:rPr lang="en-IN" b="0" dirty="0" err="1">
-                <a:solidFill>
-                  <a:srgbClr val="000000"/>
-                </a:solidFill>
-                <a:effectLst/>
-                <a:latin typeface="Menlo" panose="020B0609030804020204" pitchFamily="49" charset="0"/>
-              </a:rPr>
-              <a:t>C.pdb_id</a:t>
-            </a:r>
-            <a:endParaRPr lang="en-IN" b="0" dirty="0">
-              <a:solidFill>
-                <a:srgbClr val="000000"/>
-              </a:solidFill>
-              <a:effectLst/>
-              <a:latin typeface="Menlo" panose="020B0609030804020204" pitchFamily="49" charset="0"/>
-            </a:endParaRPr>
-          </a:p>
-          <a:p>
-            <a:br>
-              <a:rPr lang="en-IN" b="0" dirty="0">
-                <a:solidFill>
-                  <a:srgbClr val="000000"/>
-                </a:solidFill>
-                <a:effectLst/>
-                <a:latin typeface="Menlo" panose="020B0609030804020204" pitchFamily="49" charset="0"/>
-              </a:rPr>
-            </a:br>
-            <a:r>
-              <a:rPr lang="en-IN" b="0" dirty="0">
-                <a:solidFill>
-                  <a:srgbClr val="0000FF"/>
-                </a:solidFill>
-                <a:effectLst/>
-                <a:latin typeface="Menlo" panose="020B0609030804020204" pitchFamily="49" charset="0"/>
-              </a:rPr>
-              <a:t>FROM</a:t>
-            </a:r>
-            <a:r>
-              <a:rPr lang="en-IN" b="0" dirty="0">
-                <a:solidFill>
-                  <a:srgbClr val="000000"/>
-                </a:solidFill>
-                <a:effectLst/>
-                <a:latin typeface="Menlo" panose="020B0609030804020204" pitchFamily="49" charset="0"/>
-              </a:rPr>
-              <a:t> Media M</a:t>
-            </a:r>
-          </a:p>
-          <a:p>
-            <a:r>
-              <a:rPr lang="en-IN" b="0" dirty="0">
-                <a:solidFill>
-                  <a:srgbClr val="0000FF"/>
-                </a:solidFill>
-                <a:effectLst/>
-                <a:latin typeface="Menlo" panose="020B0609030804020204" pitchFamily="49" charset="0"/>
-              </a:rPr>
-              <a:t>INNER JOIN</a:t>
-            </a:r>
-            <a:r>
-              <a:rPr lang="en-IN" b="0" dirty="0">
-                <a:solidFill>
-                  <a:srgbClr val="000000"/>
-                </a:solidFill>
-                <a:effectLst/>
-                <a:latin typeface="Menlo" panose="020B0609030804020204" pitchFamily="49" charset="0"/>
-              </a:rPr>
-              <a:t> </a:t>
-            </a:r>
-            <a:r>
-              <a:rPr lang="en-IN" b="0" dirty="0" err="1">
-                <a:solidFill>
-                  <a:srgbClr val="000000"/>
-                </a:solidFill>
-                <a:effectLst/>
-                <a:latin typeface="Menlo" panose="020B0609030804020204" pitchFamily="49" charset="0"/>
-              </a:rPr>
-              <a:t>Cellular_Components</a:t>
-            </a:r>
-            <a:r>
-              <a:rPr lang="en-IN" b="0" dirty="0">
-                <a:solidFill>
-                  <a:srgbClr val="000000"/>
-                </a:solidFill>
-                <a:effectLst/>
-                <a:latin typeface="Menlo" panose="020B0609030804020204" pitchFamily="49" charset="0"/>
-              </a:rPr>
-              <a:t> C </a:t>
-            </a:r>
-            <a:r>
-              <a:rPr lang="en-IN" b="0" dirty="0">
-                <a:solidFill>
-                  <a:srgbClr val="0000FF"/>
-                </a:solidFill>
-                <a:effectLst/>
-                <a:latin typeface="Menlo" panose="020B0609030804020204" pitchFamily="49" charset="0"/>
-              </a:rPr>
-              <a:t>ON</a:t>
-            </a:r>
-            <a:r>
-              <a:rPr lang="en-IN" b="0" dirty="0">
-                <a:solidFill>
-                  <a:srgbClr val="000000"/>
-                </a:solidFill>
-                <a:effectLst/>
-                <a:latin typeface="Menlo" panose="020B0609030804020204" pitchFamily="49" charset="0"/>
-              </a:rPr>
-              <a:t> (</a:t>
-            </a:r>
-            <a:r>
-              <a:rPr lang="en-IN" b="0" dirty="0" err="1">
-                <a:solidFill>
-                  <a:srgbClr val="000000"/>
-                </a:solidFill>
-                <a:effectLst/>
-                <a:latin typeface="Menlo" panose="020B0609030804020204" pitchFamily="49" charset="0"/>
-              </a:rPr>
-              <a:t>M.pdb_id</a:t>
-            </a:r>
-            <a:r>
-              <a:rPr lang="en-IN" b="0" dirty="0">
-                <a:solidFill>
-                  <a:srgbClr val="000000"/>
-                </a:solidFill>
-                <a:effectLst/>
-                <a:latin typeface="Menlo" panose="020B0609030804020204" pitchFamily="49" charset="0"/>
-              </a:rPr>
-              <a:t> = </a:t>
-            </a:r>
-            <a:r>
-              <a:rPr lang="en-IN" b="0" dirty="0" err="1">
-                <a:solidFill>
-                  <a:srgbClr val="000000"/>
-                </a:solidFill>
-                <a:effectLst/>
-                <a:latin typeface="Menlo" panose="020B0609030804020204" pitchFamily="49" charset="0"/>
-              </a:rPr>
-              <a:t>C.pdb_id</a:t>
-            </a:r>
-            <a:r>
-              <a:rPr lang="en-IN" b="0" dirty="0">
-                <a:solidFill>
-                  <a:srgbClr val="000000"/>
-                </a:solidFill>
-                <a:effectLst/>
-                <a:latin typeface="Menlo" panose="020B0609030804020204" pitchFamily="49" charset="0"/>
-              </a:rPr>
-              <a:t>)</a:t>
-            </a:r>
-          </a:p>
-          <a:p>
-            <a:r>
-              <a:rPr lang="en-IN" b="0" dirty="0">
-                <a:solidFill>
-                  <a:srgbClr val="0000FF"/>
-                </a:solidFill>
-                <a:effectLst/>
-                <a:latin typeface="Menlo" panose="020B0609030804020204" pitchFamily="49" charset="0"/>
-              </a:rPr>
-              <a:t>INNER JOIN</a:t>
-            </a:r>
-            <a:r>
-              <a:rPr lang="en-IN" b="0" dirty="0">
-                <a:solidFill>
-                  <a:srgbClr val="000000"/>
-                </a:solidFill>
-                <a:effectLst/>
-                <a:latin typeface="Menlo" panose="020B0609030804020204" pitchFamily="49" charset="0"/>
-              </a:rPr>
-              <a:t> Video V </a:t>
-            </a:r>
-            <a:r>
-              <a:rPr lang="en-IN" b="0" dirty="0">
-                <a:solidFill>
-                  <a:srgbClr val="0000FF"/>
-                </a:solidFill>
-                <a:effectLst/>
-                <a:latin typeface="Menlo" panose="020B0609030804020204" pitchFamily="49" charset="0"/>
-              </a:rPr>
-              <a:t>ON</a:t>
-            </a:r>
-            <a:r>
-              <a:rPr lang="en-IN" b="0" dirty="0">
-                <a:solidFill>
-                  <a:srgbClr val="000000"/>
-                </a:solidFill>
-                <a:effectLst/>
-                <a:latin typeface="Menlo" panose="020B0609030804020204" pitchFamily="49" charset="0"/>
-              </a:rPr>
-              <a:t> (</a:t>
-            </a:r>
-            <a:r>
-              <a:rPr lang="en-IN" b="0" dirty="0" err="1">
-                <a:solidFill>
-                  <a:srgbClr val="000000"/>
-                </a:solidFill>
-                <a:effectLst/>
-                <a:latin typeface="Menlo" panose="020B0609030804020204" pitchFamily="49" charset="0"/>
-              </a:rPr>
-              <a:t>M.video_id</a:t>
-            </a:r>
-            <a:r>
-              <a:rPr lang="en-IN" b="0" dirty="0">
-                <a:solidFill>
-                  <a:srgbClr val="000000"/>
-                </a:solidFill>
-                <a:effectLst/>
-                <a:latin typeface="Menlo" panose="020B0609030804020204" pitchFamily="49" charset="0"/>
-              </a:rPr>
-              <a:t> = </a:t>
-            </a:r>
-            <a:r>
-              <a:rPr lang="en-IN" b="0" dirty="0" err="1">
-                <a:solidFill>
-                  <a:srgbClr val="000000"/>
-                </a:solidFill>
-                <a:effectLst/>
-                <a:latin typeface="Menlo" panose="020B0609030804020204" pitchFamily="49" charset="0"/>
-              </a:rPr>
-              <a:t>V.video_id</a:t>
-            </a:r>
-            <a:r>
-              <a:rPr lang="en-IN" b="0" dirty="0">
-                <a:solidFill>
-                  <a:srgbClr val="000000"/>
-                </a:solidFill>
-                <a:effectLst/>
-                <a:latin typeface="Menlo" panose="020B0609030804020204" pitchFamily="49" charset="0"/>
-              </a:rPr>
-              <a:t>)</a:t>
-            </a:r>
-          </a:p>
-          <a:p>
-            <a:br>
-              <a:rPr lang="en-IN" b="0" dirty="0">
-                <a:solidFill>
-                  <a:srgbClr val="000000"/>
-                </a:solidFill>
-                <a:effectLst/>
-                <a:latin typeface="Menlo" panose="020B0609030804020204" pitchFamily="49" charset="0"/>
-              </a:rPr>
-            </a:br>
-            <a:r>
-              <a:rPr lang="en-IN" b="0" dirty="0">
-                <a:solidFill>
-                  <a:srgbClr val="0000FF"/>
-                </a:solidFill>
-                <a:effectLst/>
-                <a:latin typeface="Menlo" panose="020B0609030804020204" pitchFamily="49" charset="0"/>
-              </a:rPr>
-              <a:t>WHERE</a:t>
-            </a:r>
-            <a:r>
-              <a:rPr lang="en-IN" b="0" dirty="0">
-                <a:solidFill>
-                  <a:srgbClr val="000000"/>
-                </a:solidFill>
-                <a:effectLst/>
-                <a:latin typeface="Menlo" panose="020B0609030804020204" pitchFamily="49" charset="0"/>
-              </a:rPr>
-              <a:t> </a:t>
-            </a:r>
-            <a:r>
-              <a:rPr lang="en-IN" b="0" dirty="0" err="1">
-                <a:solidFill>
-                  <a:srgbClr val="000000"/>
-                </a:solidFill>
-                <a:effectLst/>
-                <a:latin typeface="Menlo" panose="020B0609030804020204" pitchFamily="49" charset="0"/>
-              </a:rPr>
-              <a:t>C.cellular_component_name</a:t>
-            </a:r>
-            <a:r>
-              <a:rPr lang="en-IN" b="0" dirty="0">
-                <a:solidFill>
-                  <a:srgbClr val="000000"/>
-                </a:solidFill>
-                <a:effectLst/>
-                <a:latin typeface="Menlo" panose="020B0609030804020204" pitchFamily="49" charset="0"/>
-              </a:rPr>
-              <a:t> </a:t>
-            </a:r>
-            <a:r>
-              <a:rPr lang="en-IN" b="0" dirty="0">
-                <a:solidFill>
-                  <a:srgbClr val="0000FF"/>
-                </a:solidFill>
-                <a:effectLst/>
-                <a:latin typeface="Menlo" panose="020B0609030804020204" pitchFamily="49" charset="0"/>
-              </a:rPr>
-              <a:t>LIKE</a:t>
-            </a:r>
-            <a:r>
-              <a:rPr lang="en-IN" b="0" dirty="0">
-                <a:solidFill>
-                  <a:srgbClr val="000000"/>
-                </a:solidFill>
-                <a:effectLst/>
-                <a:latin typeface="Menlo" panose="020B0609030804020204" pitchFamily="49" charset="0"/>
-              </a:rPr>
-              <a:t> </a:t>
-            </a:r>
-            <a:r>
-              <a:rPr lang="en-IN" b="0" dirty="0">
-                <a:solidFill>
-                  <a:srgbClr val="A31515"/>
-                </a:solidFill>
-                <a:effectLst/>
-                <a:latin typeface="Menlo" panose="020B0609030804020204" pitchFamily="49" charset="0"/>
-              </a:rPr>
-              <a:t>'%Insulin%'</a:t>
-            </a:r>
-            <a:endParaRPr lang="en-IN" b="0" dirty="0">
-              <a:solidFill>
-                <a:srgbClr val="000000"/>
-              </a:solidFill>
-              <a:effectLst/>
-              <a:latin typeface="Menlo" panose="020B0609030804020204" pitchFamily="49" charset="0"/>
-            </a:endParaRPr>
-          </a:p>
-          <a:p>
-            <a:br>
-              <a:rPr lang="en-IN" b="0" dirty="0">
-                <a:solidFill>
-                  <a:srgbClr val="000000"/>
-                </a:solidFill>
-                <a:effectLst/>
-                <a:latin typeface="Menlo" panose="020B0609030804020204" pitchFamily="49" charset="0"/>
-              </a:rPr>
-            </a:br>
-            <a:r>
-              <a:rPr lang="en-IN" b="0" dirty="0">
-                <a:solidFill>
-                  <a:srgbClr val="0000FF"/>
-                </a:solidFill>
-                <a:effectLst/>
-                <a:latin typeface="Menlo" panose="020B0609030804020204" pitchFamily="49" charset="0"/>
-              </a:rPr>
-              <a:t>GROUP BY</a:t>
-            </a:r>
-            <a:endParaRPr lang="en-IN" b="0" dirty="0">
-              <a:solidFill>
-                <a:srgbClr val="000000"/>
-              </a:solidFill>
-              <a:effectLst/>
-              <a:latin typeface="Menlo" panose="020B0609030804020204" pitchFamily="49" charset="0"/>
-            </a:endParaRPr>
-          </a:p>
-          <a:p>
-            <a:r>
-              <a:rPr lang="en-IN" b="0" dirty="0" err="1">
-                <a:solidFill>
-                  <a:srgbClr val="000000"/>
-                </a:solidFill>
-                <a:effectLst/>
-                <a:latin typeface="Menlo" panose="020B0609030804020204" pitchFamily="49" charset="0"/>
-              </a:rPr>
-              <a:t>V.video_id</a:t>
-            </a:r>
-            <a:r>
-              <a:rPr lang="en-IN" b="0" dirty="0">
-                <a:solidFill>
-                  <a:srgbClr val="000000"/>
-                </a:solidFill>
-                <a:effectLst/>
-                <a:latin typeface="Menlo" panose="020B0609030804020204" pitchFamily="49" charset="0"/>
-              </a:rPr>
-              <a:t>,</a:t>
-            </a:r>
-          </a:p>
-          <a:p>
-            <a:br>
-              <a:rPr lang="en-IN" b="0">
-                <a:solidFill>
-                  <a:srgbClr val="000000"/>
-                </a:solidFill>
-                <a:effectLst/>
-                <a:latin typeface="Menlo" panose="020B0609030804020204" pitchFamily="49" charset="0"/>
-              </a:rPr>
-            </a:br>
-            <a:endParaRPr lang="en-IN" b="0">
-              <a:solidFill>
-                <a:srgbClr val="000000"/>
-              </a:solidFill>
-              <a:effectLst/>
-              <a:latin typeface="Menlo" panose="020B0609030804020204" pitchFamily="49" charset="0"/>
-            </a:endParaRPr>
+              <a:rPr lang="en-US" dirty="0"/>
+              <a:t>Query 1</a:t>
+            </a:r>
           </a:p>
         </p:txBody>
       </p:sp>
     </p:spTree>
     <p:extLst>
       <p:ext uri="{BB962C8B-B14F-4D97-AF65-F5344CB8AC3E}">
-        <p14:creationId xmlns:p14="http://schemas.microsoft.com/office/powerpoint/2010/main" val="3222238865"/>
+        <p14:creationId xmlns:p14="http://schemas.microsoft.com/office/powerpoint/2010/main" val="3349105932"/>
       </p:ext>
     </p:extLst>
   </p:cSld>

--- a/Modelling/Presentation.pptx
+++ b/Modelling/Presentation.pptx
@@ -9,6 +9,7 @@
     <p:sldId id="257" r:id="rId3"/>
     <p:sldId id="259" r:id="rId4"/>
     <p:sldId id="258" r:id="rId5"/>
+    <p:sldId id="260" r:id="rId6"/>
   </p:sldIdLst>
   <p:sldSz cx="12192000" cy="6858000"/>
   <p:notesSz cx="6858000" cy="9144000"/>
@@ -107,6 +108,11 @@
       </a:defRPr>
     </a:lvl9pPr>
   </p:defaultTextStyle>
+  <p:extLst>
+    <p:ext uri="{EFAFB233-063F-42B5-8137-9DF3F51BA10A}">
+      <p15:sldGuideLst xmlns:p15="http://schemas.microsoft.com/office/powerpoint/2012/main"/>
+    </p:ext>
+  </p:extLst>
 </p:presentation>
 </file>
 
@@ -259,7 +265,7 @@
           <a:p>
             <a:fld id="{D874E509-E46D-5449-B970-3AC430F5BDED}" type="datetimeFigureOut">
               <a:rPr lang="en-US" smtClean="0"/>
-              <a:t>9/19/22</a:t>
+              <a:t>9/20/22</a:t>
             </a:fld>
             <a:endParaRPr lang="en-US"/>
           </a:p>
@@ -459,7 +465,7 @@
           <a:p>
             <a:fld id="{D874E509-E46D-5449-B970-3AC430F5BDED}" type="datetimeFigureOut">
               <a:rPr lang="en-US" smtClean="0"/>
-              <a:t>9/19/22</a:t>
+              <a:t>9/20/22</a:t>
             </a:fld>
             <a:endParaRPr lang="en-US"/>
           </a:p>
@@ -669,7 +675,7 @@
           <a:p>
             <a:fld id="{D874E509-E46D-5449-B970-3AC430F5BDED}" type="datetimeFigureOut">
               <a:rPr lang="en-US" smtClean="0"/>
-              <a:t>9/19/22</a:t>
+              <a:t>9/20/22</a:t>
             </a:fld>
             <a:endParaRPr lang="en-US"/>
           </a:p>
@@ -869,7 +875,7 @@
           <a:p>
             <a:fld id="{D874E509-E46D-5449-B970-3AC430F5BDED}" type="datetimeFigureOut">
               <a:rPr lang="en-US" smtClean="0"/>
-              <a:t>9/19/22</a:t>
+              <a:t>9/20/22</a:t>
             </a:fld>
             <a:endParaRPr lang="en-US"/>
           </a:p>
@@ -1145,7 +1151,7 @@
           <a:p>
             <a:fld id="{D874E509-E46D-5449-B970-3AC430F5BDED}" type="datetimeFigureOut">
               <a:rPr lang="en-US" smtClean="0"/>
-              <a:t>9/19/22</a:t>
+              <a:t>9/20/22</a:t>
             </a:fld>
             <a:endParaRPr lang="en-US"/>
           </a:p>
@@ -1413,7 +1419,7 @@
           <a:p>
             <a:fld id="{D874E509-E46D-5449-B970-3AC430F5BDED}" type="datetimeFigureOut">
               <a:rPr lang="en-US" smtClean="0"/>
-              <a:t>9/19/22</a:t>
+              <a:t>9/20/22</a:t>
             </a:fld>
             <a:endParaRPr lang="en-US"/>
           </a:p>
@@ -1828,7 +1834,7 @@
           <a:p>
             <a:fld id="{D874E509-E46D-5449-B970-3AC430F5BDED}" type="datetimeFigureOut">
               <a:rPr lang="en-US" smtClean="0"/>
-              <a:t>9/19/22</a:t>
+              <a:t>9/20/22</a:t>
             </a:fld>
             <a:endParaRPr lang="en-US"/>
           </a:p>
@@ -1970,7 +1976,7 @@
           <a:p>
             <a:fld id="{D874E509-E46D-5449-B970-3AC430F5BDED}" type="datetimeFigureOut">
               <a:rPr lang="en-US" smtClean="0"/>
-              <a:t>9/19/22</a:t>
+              <a:t>9/20/22</a:t>
             </a:fld>
             <a:endParaRPr lang="en-US"/>
           </a:p>
@@ -2083,7 +2089,7 @@
           <a:p>
             <a:fld id="{D874E509-E46D-5449-B970-3AC430F5BDED}" type="datetimeFigureOut">
               <a:rPr lang="en-US" smtClean="0"/>
-              <a:t>9/19/22</a:t>
+              <a:t>9/20/22</a:t>
             </a:fld>
             <a:endParaRPr lang="en-US"/>
           </a:p>
@@ -2396,7 +2402,7 @@
           <a:p>
             <a:fld id="{D874E509-E46D-5449-B970-3AC430F5BDED}" type="datetimeFigureOut">
               <a:rPr lang="en-US" smtClean="0"/>
-              <a:t>9/19/22</a:t>
+              <a:t>9/20/22</a:t>
             </a:fld>
             <a:endParaRPr lang="en-US"/>
           </a:p>
@@ -2685,7 +2691,7 @@
           <a:p>
             <a:fld id="{D874E509-E46D-5449-B970-3AC430F5BDED}" type="datetimeFigureOut">
               <a:rPr lang="en-US" smtClean="0"/>
-              <a:t>9/19/22</a:t>
+              <a:t>9/20/22</a:t>
             </a:fld>
             <a:endParaRPr lang="en-US"/>
           </a:p>
@@ -2928,7 +2934,7 @@
           <a:p>
             <a:fld id="{D874E509-E46D-5449-B970-3AC430F5BDED}" type="datetimeFigureOut">
               <a:rPr lang="en-US" smtClean="0"/>
-              <a:t>9/19/22</a:t>
+              <a:t>9/20/22</a:t>
             </a:fld>
             <a:endParaRPr lang="en-US"/>
           </a:p>
@@ -3372,10 +3378,10 @@
       </p:sp>
       <p:pic>
         <p:nvPicPr>
-          <p:cNvPr id="5" name="Picture 4" descr="Diagram&#10;&#10;Description automatically generated">
+          <p:cNvPr id="4" name="Picture 3" descr="Diagram&#10;&#10;Description automatically generated">
             <a:extLst>
               <a:ext uri="{FF2B5EF4-FFF2-40B4-BE49-F238E27FC236}">
-                <a16:creationId xmlns:a16="http://schemas.microsoft.com/office/drawing/2014/main" id="{9FEDD3B0-85AE-BBDC-C0DD-84EEE271CCB0}"/>
+                <a16:creationId xmlns:a16="http://schemas.microsoft.com/office/drawing/2014/main" id="{6827DBCA-D357-C43C-8624-5A4DC6CF9F52}"/>
               </a:ext>
             </a:extLst>
           </p:cNvPr>
@@ -3392,8 +3398,8 @@
         </p:blipFill>
         <p:spPr>
           <a:xfrm>
-            <a:off x="0" y="289049"/>
-            <a:ext cx="12192000" cy="6279902"/>
+            <a:off x="0" y="292454"/>
+            <a:ext cx="12192000" cy="6273091"/>
           </a:xfrm>
           <a:prstGeom prst="rect">
             <a:avLst/>
@@ -8947,6 +8953,459 @@
     <p:extLst>
       <p:ext uri="{BB962C8B-B14F-4D97-AF65-F5344CB8AC3E}">
         <p14:creationId xmlns:p14="http://schemas.microsoft.com/office/powerpoint/2010/main" val="2120637366"/>
+      </p:ext>
+    </p:extLst>
+  </p:cSld>
+  <p:clrMapOvr>
+    <a:masterClrMapping/>
+  </p:clrMapOvr>
+</p:sld>
+</file>
+
+<file path=ppt/slides/slide5.xml><?xml version="1.0" encoding="utf-8"?>
+<p:sld xmlns:a="http://schemas.openxmlformats.org/drawingml/2006/main" xmlns:r="http://schemas.openxmlformats.org/officeDocument/2006/relationships" xmlns:p="http://schemas.openxmlformats.org/presentationml/2006/main">
+  <p:cSld>
+    <p:spTree>
+      <p:nvGrpSpPr>
+        <p:cNvPr id="1" name=""/>
+        <p:cNvGrpSpPr/>
+        <p:nvPr/>
+      </p:nvGrpSpPr>
+      <p:grpSpPr>
+        <a:xfrm>
+          <a:off x="0" y="0"/>
+          <a:ext cx="0" cy="0"/>
+          <a:chOff x="0" y="0"/>
+          <a:chExt cx="0" cy="0"/>
+        </a:xfrm>
+      </p:grpSpPr>
+      <p:sp>
+        <p:nvSpPr>
+          <p:cNvPr id="6" name="TextBox 5">
+            <a:extLst>
+              <a:ext uri="{FF2B5EF4-FFF2-40B4-BE49-F238E27FC236}">
+                <a16:creationId xmlns:a16="http://schemas.microsoft.com/office/drawing/2014/main" id="{439C72E8-6C50-BC0A-672E-E2B7281320D8}"/>
+              </a:ext>
+            </a:extLst>
+          </p:cNvPr>
+          <p:cNvSpPr txBox="1"/>
+          <p:nvPr/>
+        </p:nvSpPr>
+        <p:spPr>
+          <a:xfrm>
+            <a:off x="424542" y="1132114"/>
+            <a:ext cx="11549743" cy="3970318"/>
+          </a:xfrm>
+          <a:prstGeom prst="rect">
+            <a:avLst/>
+          </a:prstGeom>
+          <a:noFill/>
+        </p:spPr>
+        <p:txBody>
+          <a:bodyPr wrap="square">
+            <a:spAutoFit/>
+          </a:bodyPr>
+          <a:lstStyle/>
+          <a:p>
+            <a:r>
+              <a:rPr lang="en-IN" b="0" dirty="0">
+                <a:solidFill>
+                  <a:srgbClr val="000000"/>
+                </a:solidFill>
+                <a:effectLst/>
+                <a:latin typeface="Menlo" panose="020B0609030804020204" pitchFamily="49" charset="0"/>
+              </a:rPr>
+              <a:t>// Query </a:t>
+            </a:r>
+            <a:r>
+              <a:rPr lang="en-IN" b="0" dirty="0">
+                <a:solidFill>
+                  <a:srgbClr val="0000FF"/>
+                </a:solidFill>
+                <a:effectLst/>
+                <a:latin typeface="Menlo" panose="020B0609030804020204" pitchFamily="49" charset="0"/>
+              </a:rPr>
+              <a:t>to</a:t>
+            </a:r>
+            <a:r>
+              <a:rPr lang="en-IN" b="0" dirty="0">
+                <a:solidFill>
+                  <a:srgbClr val="000000"/>
+                </a:solidFill>
+                <a:effectLst/>
+                <a:latin typeface="Menlo" panose="020B0609030804020204" pitchFamily="49" charset="0"/>
+              </a:rPr>
+              <a:t> look for interviews about VR captures</a:t>
+            </a:r>
+          </a:p>
+          <a:p>
+            <a:r>
+              <a:rPr lang="en-IN" b="0" dirty="0">
+                <a:solidFill>
+                  <a:srgbClr val="0000FF"/>
+                </a:solidFill>
+                <a:effectLst/>
+                <a:latin typeface="Menlo" panose="020B0609030804020204" pitchFamily="49" charset="0"/>
+              </a:rPr>
+              <a:t>SELECT</a:t>
+            </a:r>
+            <a:endParaRPr lang="en-IN" b="0" dirty="0">
+              <a:solidFill>
+                <a:srgbClr val="000000"/>
+              </a:solidFill>
+              <a:effectLst/>
+              <a:latin typeface="Menlo" panose="020B0609030804020204" pitchFamily="49" charset="0"/>
+            </a:endParaRPr>
+          </a:p>
+          <a:p>
+            <a:r>
+              <a:rPr lang="en-IN" b="0" dirty="0" err="1">
+                <a:solidFill>
+                  <a:srgbClr val="000000"/>
+                </a:solidFill>
+                <a:effectLst/>
+                <a:latin typeface="Menlo" panose="020B0609030804020204" pitchFamily="49" charset="0"/>
+              </a:rPr>
+              <a:t>V.video_id</a:t>
+            </a:r>
+            <a:r>
+              <a:rPr lang="en-IN" b="0" dirty="0">
+                <a:solidFill>
+                  <a:srgbClr val="000000"/>
+                </a:solidFill>
+                <a:effectLst/>
+                <a:latin typeface="Menlo" panose="020B0609030804020204" pitchFamily="49" charset="0"/>
+              </a:rPr>
+              <a:t>,</a:t>
+            </a:r>
+          </a:p>
+          <a:p>
+            <a:r>
+              <a:rPr lang="en-IN" b="0" dirty="0" err="1">
+                <a:solidFill>
+                  <a:srgbClr val="000000"/>
+                </a:solidFill>
+                <a:effectLst/>
+                <a:latin typeface="Menlo" panose="020B0609030804020204" pitchFamily="49" charset="0"/>
+              </a:rPr>
+              <a:t>M.media_name</a:t>
+            </a:r>
+            <a:endParaRPr lang="en-IN" b="0" dirty="0">
+              <a:solidFill>
+                <a:srgbClr val="000000"/>
+              </a:solidFill>
+              <a:effectLst/>
+              <a:latin typeface="Menlo" panose="020B0609030804020204" pitchFamily="49" charset="0"/>
+            </a:endParaRPr>
+          </a:p>
+          <a:p>
+            <a:br>
+              <a:rPr lang="en-IN" b="0" dirty="0">
+                <a:solidFill>
+                  <a:srgbClr val="000000"/>
+                </a:solidFill>
+                <a:effectLst/>
+                <a:latin typeface="Menlo" panose="020B0609030804020204" pitchFamily="49" charset="0"/>
+              </a:rPr>
+            </a:br>
+            <a:r>
+              <a:rPr lang="en-IN" b="0" dirty="0">
+                <a:solidFill>
+                  <a:srgbClr val="0000FF"/>
+                </a:solidFill>
+                <a:effectLst/>
+                <a:latin typeface="Menlo" panose="020B0609030804020204" pitchFamily="49" charset="0"/>
+              </a:rPr>
+              <a:t>FROM</a:t>
+            </a:r>
+            <a:r>
+              <a:rPr lang="en-IN" b="0" dirty="0">
+                <a:solidFill>
+                  <a:srgbClr val="000000"/>
+                </a:solidFill>
+                <a:effectLst/>
+                <a:latin typeface="Menlo" panose="020B0609030804020204" pitchFamily="49" charset="0"/>
+              </a:rPr>
+              <a:t> Media M ,Video V </a:t>
+            </a:r>
+          </a:p>
+          <a:p>
+            <a:br>
+              <a:rPr lang="en-IN" b="0" dirty="0">
+                <a:solidFill>
+                  <a:srgbClr val="000000"/>
+                </a:solidFill>
+                <a:effectLst/>
+                <a:latin typeface="Menlo" panose="020B0609030804020204" pitchFamily="49" charset="0"/>
+              </a:rPr>
+            </a:br>
+            <a:r>
+              <a:rPr lang="en-IN" b="0" dirty="0">
+                <a:solidFill>
+                  <a:srgbClr val="0000FF"/>
+                </a:solidFill>
+                <a:effectLst/>
+                <a:latin typeface="Menlo" panose="020B0609030804020204" pitchFamily="49" charset="0"/>
+              </a:rPr>
+              <a:t>INNER JOIN</a:t>
+            </a:r>
+            <a:r>
+              <a:rPr lang="en-IN" b="0" dirty="0">
+                <a:solidFill>
+                  <a:srgbClr val="000000"/>
+                </a:solidFill>
+                <a:effectLst/>
+                <a:latin typeface="Menlo" panose="020B0609030804020204" pitchFamily="49" charset="0"/>
+              </a:rPr>
+              <a:t> Video V </a:t>
+            </a:r>
+            <a:r>
+              <a:rPr lang="en-IN" b="0" dirty="0">
+                <a:solidFill>
+                  <a:srgbClr val="0000FF"/>
+                </a:solidFill>
+                <a:effectLst/>
+                <a:latin typeface="Menlo" panose="020B0609030804020204" pitchFamily="49" charset="0"/>
+              </a:rPr>
+              <a:t>ON</a:t>
+            </a:r>
+            <a:r>
+              <a:rPr lang="en-IN" b="0" dirty="0">
+                <a:solidFill>
+                  <a:srgbClr val="000000"/>
+                </a:solidFill>
+                <a:effectLst/>
+                <a:latin typeface="Menlo" panose="020B0609030804020204" pitchFamily="49" charset="0"/>
+              </a:rPr>
+              <a:t> (</a:t>
+            </a:r>
+            <a:r>
+              <a:rPr lang="en-IN" b="0" dirty="0" err="1">
+                <a:solidFill>
+                  <a:srgbClr val="000000"/>
+                </a:solidFill>
+                <a:effectLst/>
+                <a:latin typeface="Menlo" panose="020B0609030804020204" pitchFamily="49" charset="0"/>
+              </a:rPr>
+              <a:t>M.video_id</a:t>
+            </a:r>
+            <a:r>
+              <a:rPr lang="en-IN" b="0" dirty="0">
+                <a:solidFill>
+                  <a:srgbClr val="000000"/>
+                </a:solidFill>
+                <a:effectLst/>
+                <a:latin typeface="Menlo" panose="020B0609030804020204" pitchFamily="49" charset="0"/>
+              </a:rPr>
+              <a:t> = </a:t>
+            </a:r>
+            <a:r>
+              <a:rPr lang="en-IN" b="0" dirty="0" err="1">
+                <a:solidFill>
+                  <a:srgbClr val="000000"/>
+                </a:solidFill>
+                <a:effectLst/>
+                <a:latin typeface="Menlo" panose="020B0609030804020204" pitchFamily="49" charset="0"/>
+              </a:rPr>
+              <a:t>V.video_id</a:t>
+            </a:r>
+            <a:r>
+              <a:rPr lang="en-IN" b="0" dirty="0">
+                <a:solidFill>
+                  <a:srgbClr val="000000"/>
+                </a:solidFill>
+                <a:effectLst/>
+                <a:latin typeface="Menlo" panose="020B0609030804020204" pitchFamily="49" charset="0"/>
+              </a:rPr>
+              <a:t>)</a:t>
+            </a:r>
+          </a:p>
+          <a:p>
+            <a:br>
+              <a:rPr lang="en-IN" b="0" dirty="0">
+                <a:solidFill>
+                  <a:srgbClr val="000000"/>
+                </a:solidFill>
+                <a:effectLst/>
+                <a:latin typeface="Menlo" panose="020B0609030804020204" pitchFamily="49" charset="0"/>
+              </a:rPr>
+            </a:br>
+            <a:r>
+              <a:rPr lang="en-IN" b="0" dirty="0">
+                <a:solidFill>
+                  <a:srgbClr val="0000FF"/>
+                </a:solidFill>
+                <a:effectLst/>
+                <a:latin typeface="Menlo" panose="020B0609030804020204" pitchFamily="49" charset="0"/>
+              </a:rPr>
+              <a:t>WHERE</a:t>
+            </a:r>
+            <a:r>
+              <a:rPr lang="en-IN" b="0" dirty="0">
+                <a:solidFill>
+                  <a:srgbClr val="000000"/>
+                </a:solidFill>
+                <a:effectLst/>
+                <a:latin typeface="Menlo" panose="020B0609030804020204" pitchFamily="49" charset="0"/>
+              </a:rPr>
+              <a:t> </a:t>
+            </a:r>
+            <a:r>
+              <a:rPr lang="en-IN" b="0" dirty="0" err="1">
+                <a:solidFill>
+                  <a:srgbClr val="000000"/>
+                </a:solidFill>
+                <a:effectLst/>
+                <a:latin typeface="Menlo" panose="020B0609030804020204" pitchFamily="49" charset="0"/>
+              </a:rPr>
+              <a:t>V.video_type</a:t>
+            </a:r>
+            <a:r>
+              <a:rPr lang="en-IN" b="0" dirty="0">
+                <a:solidFill>
+                  <a:srgbClr val="000000"/>
+                </a:solidFill>
+                <a:effectLst/>
+                <a:latin typeface="Menlo" panose="020B0609030804020204" pitchFamily="49" charset="0"/>
+              </a:rPr>
+              <a:t> = </a:t>
+            </a:r>
+            <a:r>
+              <a:rPr lang="en-IN" b="0" dirty="0">
+                <a:solidFill>
+                  <a:srgbClr val="A31515"/>
+                </a:solidFill>
+                <a:effectLst/>
+                <a:latin typeface="Menlo" panose="020B0609030804020204" pitchFamily="49" charset="0"/>
+              </a:rPr>
+              <a:t>'Interview'</a:t>
+            </a:r>
+            <a:r>
+              <a:rPr lang="en-IN" b="0" dirty="0">
+                <a:solidFill>
+                  <a:srgbClr val="000000"/>
+                </a:solidFill>
+                <a:effectLst/>
+                <a:latin typeface="Menlo" panose="020B0609030804020204" pitchFamily="49" charset="0"/>
+              </a:rPr>
+              <a:t> </a:t>
+            </a:r>
+            <a:r>
+              <a:rPr lang="en-IN" b="0" dirty="0">
+                <a:solidFill>
+                  <a:srgbClr val="0000FF"/>
+                </a:solidFill>
+                <a:effectLst/>
+                <a:latin typeface="Menlo" panose="020B0609030804020204" pitchFamily="49" charset="0"/>
+              </a:rPr>
+              <a:t>AND</a:t>
+            </a:r>
+            <a:r>
+              <a:rPr lang="en-IN" b="0" dirty="0">
+                <a:solidFill>
+                  <a:srgbClr val="000000"/>
+                </a:solidFill>
+                <a:effectLst/>
+                <a:latin typeface="Menlo" panose="020B0609030804020204" pitchFamily="49" charset="0"/>
+              </a:rPr>
+              <a:t> </a:t>
+            </a:r>
+          </a:p>
+          <a:p>
+            <a:r>
+              <a:rPr lang="en-IN" b="0" dirty="0" err="1">
+                <a:solidFill>
+                  <a:srgbClr val="000000"/>
+                </a:solidFill>
+                <a:effectLst/>
+                <a:latin typeface="Menlo" panose="020B0609030804020204" pitchFamily="49" charset="0"/>
+              </a:rPr>
+              <a:t>M.media_type</a:t>
+            </a:r>
+            <a:r>
+              <a:rPr lang="en-IN" b="0" dirty="0">
+                <a:solidFill>
+                  <a:srgbClr val="000000"/>
+                </a:solidFill>
+                <a:effectLst/>
+                <a:latin typeface="Menlo" panose="020B0609030804020204" pitchFamily="49" charset="0"/>
+              </a:rPr>
+              <a:t> CONTAINS (</a:t>
+            </a:r>
+            <a:r>
+              <a:rPr lang="en-IN" b="0" dirty="0">
+                <a:solidFill>
+                  <a:srgbClr val="A31515"/>
+                </a:solidFill>
+                <a:effectLst/>
+                <a:latin typeface="Menlo" panose="020B0609030804020204" pitchFamily="49" charset="0"/>
+              </a:rPr>
+              <a:t>'VR'</a:t>
+            </a:r>
+            <a:r>
+              <a:rPr lang="en-IN" b="0" dirty="0">
+                <a:solidFill>
+                  <a:srgbClr val="000000"/>
+                </a:solidFill>
+                <a:effectLst/>
+                <a:latin typeface="Menlo" panose="020B0609030804020204" pitchFamily="49" charset="0"/>
+              </a:rPr>
+              <a:t>)</a:t>
+            </a:r>
+          </a:p>
+          <a:p>
+            <a:br>
+              <a:rPr lang="en-IN" b="0" dirty="0">
+                <a:solidFill>
+                  <a:srgbClr val="000000"/>
+                </a:solidFill>
+                <a:effectLst/>
+                <a:latin typeface="Menlo" panose="020B0609030804020204" pitchFamily="49" charset="0"/>
+              </a:rPr>
+            </a:br>
+            <a:r>
+              <a:rPr lang="en-IN" b="0" dirty="0">
+                <a:solidFill>
+                  <a:srgbClr val="0000FF"/>
+                </a:solidFill>
+                <a:effectLst/>
+                <a:latin typeface="Menlo" panose="020B0609030804020204" pitchFamily="49" charset="0"/>
+              </a:rPr>
+              <a:t>GROUP BY</a:t>
+            </a:r>
+            <a:endParaRPr lang="en-IN" b="0" dirty="0">
+              <a:solidFill>
+                <a:srgbClr val="000000"/>
+              </a:solidFill>
+              <a:effectLst/>
+              <a:latin typeface="Menlo" panose="020B0609030804020204" pitchFamily="49" charset="0"/>
+            </a:endParaRPr>
+          </a:p>
+          <a:p>
+            <a:r>
+              <a:rPr lang="en-IN" b="0" dirty="0" err="1">
+                <a:solidFill>
+                  <a:srgbClr val="000000"/>
+                </a:solidFill>
+                <a:effectLst/>
+                <a:latin typeface="Menlo" panose="020B0609030804020204" pitchFamily="49" charset="0"/>
+              </a:rPr>
+              <a:t>M.media_name</a:t>
+            </a:r>
+            <a:endParaRPr lang="en-IN" b="0" dirty="0">
+              <a:solidFill>
+                <a:srgbClr val="000000"/>
+              </a:solidFill>
+              <a:effectLst/>
+              <a:latin typeface="Menlo" panose="020B0609030804020204" pitchFamily="49" charset="0"/>
+            </a:endParaRPr>
+          </a:p>
+        </p:txBody>
+      </p:sp>
+    </p:spTree>
+    <p:extLst>
+      <p:ext uri="{BB962C8B-B14F-4D97-AF65-F5344CB8AC3E}">
+        <p14:creationId xmlns:p14="http://schemas.microsoft.com/office/powerpoint/2010/main" val="3426152501"/>
       </p:ext>
     </p:extLst>
   </p:cSld>

--- a/Modelling/Presentation.pptx
+++ b/Modelling/Presentation.pptx
@@ -4,6 +4,9 @@
   <p:sldMasterIdLst>
     <p:sldMasterId id="2147483648" r:id="rId1"/>
   </p:sldMasterIdLst>
+  <p:notesMasterIdLst>
+    <p:notesMasterId r:id="rId7"/>
+  </p:notesMasterIdLst>
   <p:sldIdLst>
     <p:sldId id="256" r:id="rId2"/>
     <p:sldId id="257" r:id="rId3"/>
@@ -114,6 +117,440 @@
     </p:ext>
   </p:extLst>
 </p:presentation>
+</file>
+
+<file path=ppt/notesMasters/notesMaster1.xml><?xml version="1.0" encoding="utf-8"?>
+<p:notesMaster xmlns:a="http://schemas.openxmlformats.org/drawingml/2006/main" xmlns:r="http://schemas.openxmlformats.org/officeDocument/2006/relationships" xmlns:p="http://schemas.openxmlformats.org/presentationml/2006/main">
+  <p:cSld>
+    <p:bg>
+      <p:bgRef idx="1001">
+        <a:schemeClr val="bg1"/>
+      </p:bgRef>
+    </p:bg>
+    <p:spTree>
+      <p:nvGrpSpPr>
+        <p:cNvPr id="1" name=""/>
+        <p:cNvGrpSpPr/>
+        <p:nvPr/>
+      </p:nvGrpSpPr>
+      <p:grpSpPr>
+        <a:xfrm>
+          <a:off x="0" y="0"/>
+          <a:ext cx="0" cy="0"/>
+          <a:chOff x="0" y="0"/>
+          <a:chExt cx="0" cy="0"/>
+        </a:xfrm>
+      </p:grpSpPr>
+      <p:sp>
+        <p:nvSpPr>
+          <p:cNvPr id="2" name="Header Placeholder 1"/>
+          <p:cNvSpPr>
+            <a:spLocks noGrp="1"/>
+          </p:cNvSpPr>
+          <p:nvPr>
+            <p:ph type="hdr" sz="quarter"/>
+          </p:nvPr>
+        </p:nvSpPr>
+        <p:spPr>
+          <a:xfrm>
+            <a:off x="0" y="0"/>
+            <a:ext cx="2971800" cy="458788"/>
+          </a:xfrm>
+          <a:prstGeom prst="rect">
+            <a:avLst/>
+          </a:prstGeom>
+        </p:spPr>
+        <p:txBody>
+          <a:bodyPr vert="horz" lIns="91440" tIns="45720" rIns="91440" bIns="45720" rtlCol="0"/>
+          <a:lstStyle>
+            <a:lvl1pPr algn="l">
+              <a:defRPr sz="1200"/>
+            </a:lvl1pPr>
+          </a:lstStyle>
+          <a:p>
+            <a:endParaRPr lang="en-US"/>
+          </a:p>
+        </p:txBody>
+      </p:sp>
+      <p:sp>
+        <p:nvSpPr>
+          <p:cNvPr id="3" name="Date Placeholder 2"/>
+          <p:cNvSpPr>
+            <a:spLocks noGrp="1"/>
+          </p:cNvSpPr>
+          <p:nvPr>
+            <p:ph type="dt" idx="1"/>
+          </p:nvPr>
+        </p:nvSpPr>
+        <p:spPr>
+          <a:xfrm>
+            <a:off x="3884613" y="0"/>
+            <a:ext cx="2971800" cy="458788"/>
+          </a:xfrm>
+          <a:prstGeom prst="rect">
+            <a:avLst/>
+          </a:prstGeom>
+        </p:spPr>
+        <p:txBody>
+          <a:bodyPr vert="horz" lIns="91440" tIns="45720" rIns="91440" bIns="45720" rtlCol="0"/>
+          <a:lstStyle>
+            <a:lvl1pPr algn="r">
+              <a:defRPr sz="1200"/>
+            </a:lvl1pPr>
+          </a:lstStyle>
+          <a:p>
+            <a:fld id="{4446B64A-3664-4B40-89B3-B89A56623D19}" type="datetimeFigureOut">
+              <a:rPr lang="en-US" smtClean="0"/>
+              <a:t>9/20/22</a:t>
+            </a:fld>
+            <a:endParaRPr lang="en-US"/>
+          </a:p>
+        </p:txBody>
+      </p:sp>
+      <p:sp>
+        <p:nvSpPr>
+          <p:cNvPr id="4" name="Slide Image Placeholder 3"/>
+          <p:cNvSpPr>
+            <a:spLocks noGrp="1" noRot="1" noChangeAspect="1"/>
+          </p:cNvSpPr>
+          <p:nvPr>
+            <p:ph type="sldImg" idx="2"/>
+          </p:nvPr>
+        </p:nvSpPr>
+        <p:spPr>
+          <a:xfrm>
+            <a:off x="685800" y="1143000"/>
+            <a:ext cx="5486400" cy="3086100"/>
+          </a:xfrm>
+          <a:prstGeom prst="rect">
+            <a:avLst/>
+          </a:prstGeom>
+          <a:noFill/>
+          <a:ln w="12700">
+            <a:solidFill>
+              <a:prstClr val="black"/>
+            </a:solidFill>
+          </a:ln>
+        </p:spPr>
+        <p:txBody>
+          <a:bodyPr vert="horz" lIns="91440" tIns="45720" rIns="91440" bIns="45720" rtlCol="0" anchor="ctr"/>
+          <a:lstStyle/>
+          <a:p>
+            <a:endParaRPr lang="en-US"/>
+          </a:p>
+        </p:txBody>
+      </p:sp>
+      <p:sp>
+        <p:nvSpPr>
+          <p:cNvPr id="5" name="Notes Placeholder 4"/>
+          <p:cNvSpPr>
+            <a:spLocks noGrp="1"/>
+          </p:cNvSpPr>
+          <p:nvPr>
+            <p:ph type="body" sz="quarter" idx="3"/>
+          </p:nvPr>
+        </p:nvSpPr>
+        <p:spPr>
+          <a:xfrm>
+            <a:off x="685800" y="4400550"/>
+            <a:ext cx="5486400" cy="3600450"/>
+          </a:xfrm>
+          <a:prstGeom prst="rect">
+            <a:avLst/>
+          </a:prstGeom>
+        </p:spPr>
+        <p:txBody>
+          <a:bodyPr vert="horz" lIns="91440" tIns="45720" rIns="91440" bIns="45720" rtlCol="0"/>
+          <a:lstStyle/>
+          <a:p>
+            <a:pPr lvl="0"/>
+            <a:r>
+              <a:rPr lang="en-GB"/>
+              <a:t>Click to edit Master text styles</a:t>
+            </a:r>
+          </a:p>
+          <a:p>
+            <a:pPr lvl="1"/>
+            <a:r>
+              <a:rPr lang="en-GB"/>
+              <a:t>Second level</a:t>
+            </a:r>
+          </a:p>
+          <a:p>
+            <a:pPr lvl="2"/>
+            <a:r>
+              <a:rPr lang="en-GB"/>
+              <a:t>Third level</a:t>
+            </a:r>
+          </a:p>
+          <a:p>
+            <a:pPr lvl="3"/>
+            <a:r>
+              <a:rPr lang="en-GB"/>
+              <a:t>Fourth level</a:t>
+            </a:r>
+          </a:p>
+          <a:p>
+            <a:pPr lvl="4"/>
+            <a:r>
+              <a:rPr lang="en-GB"/>
+              <a:t>Fifth level</a:t>
+            </a:r>
+            <a:endParaRPr lang="en-US"/>
+          </a:p>
+        </p:txBody>
+      </p:sp>
+      <p:sp>
+        <p:nvSpPr>
+          <p:cNvPr id="6" name="Footer Placeholder 5"/>
+          <p:cNvSpPr>
+            <a:spLocks noGrp="1"/>
+          </p:cNvSpPr>
+          <p:nvPr>
+            <p:ph type="ftr" sz="quarter" idx="4"/>
+          </p:nvPr>
+        </p:nvSpPr>
+        <p:spPr>
+          <a:xfrm>
+            <a:off x="0" y="8685213"/>
+            <a:ext cx="2971800" cy="458787"/>
+          </a:xfrm>
+          <a:prstGeom prst="rect">
+            <a:avLst/>
+          </a:prstGeom>
+        </p:spPr>
+        <p:txBody>
+          <a:bodyPr vert="horz" lIns="91440" tIns="45720" rIns="91440" bIns="45720" rtlCol="0" anchor="b"/>
+          <a:lstStyle>
+            <a:lvl1pPr algn="l">
+              <a:defRPr sz="1200"/>
+            </a:lvl1pPr>
+          </a:lstStyle>
+          <a:p>
+            <a:endParaRPr lang="en-US"/>
+          </a:p>
+        </p:txBody>
+      </p:sp>
+      <p:sp>
+        <p:nvSpPr>
+          <p:cNvPr id="7" name="Slide Number Placeholder 6"/>
+          <p:cNvSpPr>
+            <a:spLocks noGrp="1"/>
+          </p:cNvSpPr>
+          <p:nvPr>
+            <p:ph type="sldNum" sz="quarter" idx="5"/>
+          </p:nvPr>
+        </p:nvSpPr>
+        <p:spPr>
+          <a:xfrm>
+            <a:off x="3884613" y="8685213"/>
+            <a:ext cx="2971800" cy="458787"/>
+          </a:xfrm>
+          <a:prstGeom prst="rect">
+            <a:avLst/>
+          </a:prstGeom>
+        </p:spPr>
+        <p:txBody>
+          <a:bodyPr vert="horz" lIns="91440" tIns="45720" rIns="91440" bIns="45720" rtlCol="0" anchor="b"/>
+          <a:lstStyle>
+            <a:lvl1pPr algn="r">
+              <a:defRPr sz="1200"/>
+            </a:lvl1pPr>
+          </a:lstStyle>
+          <a:p>
+            <a:fld id="{81809317-2822-B841-BAEE-0C7F18C96C69}" type="slidenum">
+              <a:rPr lang="en-US" smtClean="0"/>
+              <a:t>‹#›</a:t>
+            </a:fld>
+            <a:endParaRPr lang="en-US"/>
+          </a:p>
+        </p:txBody>
+      </p:sp>
+    </p:spTree>
+    <p:extLst>
+      <p:ext uri="{BB962C8B-B14F-4D97-AF65-F5344CB8AC3E}">
+        <p14:creationId xmlns:p14="http://schemas.microsoft.com/office/powerpoint/2010/main" val="3903698149"/>
+      </p:ext>
+    </p:extLst>
+  </p:cSld>
+  <p:clrMap bg1="lt1" tx1="dk1" bg2="lt2" tx2="dk2" accent1="accent1" accent2="accent2" accent3="accent3" accent4="accent4" accent5="accent5" accent6="accent6" hlink="hlink" folHlink="folHlink"/>
+  <p:notesStyle>
+    <a:lvl1pPr marL="0" algn="l" defTabSz="914400" rtl="0" eaLnBrk="1" latinLnBrk="0" hangingPunct="1">
+      <a:defRPr sz="1200" kern="1200">
+        <a:solidFill>
+          <a:schemeClr val="tx1"/>
+        </a:solidFill>
+        <a:latin typeface="+mn-lt"/>
+        <a:ea typeface="+mn-ea"/>
+        <a:cs typeface="+mn-cs"/>
+      </a:defRPr>
+    </a:lvl1pPr>
+    <a:lvl2pPr marL="457200" algn="l" defTabSz="914400" rtl="0" eaLnBrk="1" latinLnBrk="0" hangingPunct="1">
+      <a:defRPr sz="1200" kern="1200">
+        <a:solidFill>
+          <a:schemeClr val="tx1"/>
+        </a:solidFill>
+        <a:latin typeface="+mn-lt"/>
+        <a:ea typeface="+mn-ea"/>
+        <a:cs typeface="+mn-cs"/>
+      </a:defRPr>
+    </a:lvl2pPr>
+    <a:lvl3pPr marL="914400" algn="l" defTabSz="914400" rtl="0" eaLnBrk="1" latinLnBrk="0" hangingPunct="1">
+      <a:defRPr sz="1200" kern="1200">
+        <a:solidFill>
+          <a:schemeClr val="tx1"/>
+        </a:solidFill>
+        <a:latin typeface="+mn-lt"/>
+        <a:ea typeface="+mn-ea"/>
+        <a:cs typeface="+mn-cs"/>
+      </a:defRPr>
+    </a:lvl3pPr>
+    <a:lvl4pPr marL="1371600" algn="l" defTabSz="914400" rtl="0" eaLnBrk="1" latinLnBrk="0" hangingPunct="1">
+      <a:defRPr sz="1200" kern="1200">
+        <a:solidFill>
+          <a:schemeClr val="tx1"/>
+        </a:solidFill>
+        <a:latin typeface="+mn-lt"/>
+        <a:ea typeface="+mn-ea"/>
+        <a:cs typeface="+mn-cs"/>
+      </a:defRPr>
+    </a:lvl4pPr>
+    <a:lvl5pPr marL="1828800" algn="l" defTabSz="914400" rtl="0" eaLnBrk="1" latinLnBrk="0" hangingPunct="1">
+      <a:defRPr sz="1200" kern="1200">
+        <a:solidFill>
+          <a:schemeClr val="tx1"/>
+        </a:solidFill>
+        <a:latin typeface="+mn-lt"/>
+        <a:ea typeface="+mn-ea"/>
+        <a:cs typeface="+mn-cs"/>
+      </a:defRPr>
+    </a:lvl5pPr>
+    <a:lvl6pPr marL="2286000" algn="l" defTabSz="914400" rtl="0" eaLnBrk="1" latinLnBrk="0" hangingPunct="1">
+      <a:defRPr sz="1200" kern="1200">
+        <a:solidFill>
+          <a:schemeClr val="tx1"/>
+        </a:solidFill>
+        <a:latin typeface="+mn-lt"/>
+        <a:ea typeface="+mn-ea"/>
+        <a:cs typeface="+mn-cs"/>
+      </a:defRPr>
+    </a:lvl6pPr>
+    <a:lvl7pPr marL="2743200" algn="l" defTabSz="914400" rtl="0" eaLnBrk="1" latinLnBrk="0" hangingPunct="1">
+      <a:defRPr sz="1200" kern="1200">
+        <a:solidFill>
+          <a:schemeClr val="tx1"/>
+        </a:solidFill>
+        <a:latin typeface="+mn-lt"/>
+        <a:ea typeface="+mn-ea"/>
+        <a:cs typeface="+mn-cs"/>
+      </a:defRPr>
+    </a:lvl7pPr>
+    <a:lvl8pPr marL="3200400" algn="l" defTabSz="914400" rtl="0" eaLnBrk="1" latinLnBrk="0" hangingPunct="1">
+      <a:defRPr sz="1200" kern="1200">
+        <a:solidFill>
+          <a:schemeClr val="tx1"/>
+        </a:solidFill>
+        <a:latin typeface="+mn-lt"/>
+        <a:ea typeface="+mn-ea"/>
+        <a:cs typeface="+mn-cs"/>
+      </a:defRPr>
+    </a:lvl8pPr>
+    <a:lvl9pPr marL="3657600" algn="l" defTabSz="914400" rtl="0" eaLnBrk="1" latinLnBrk="0" hangingPunct="1">
+      <a:defRPr sz="1200" kern="1200">
+        <a:solidFill>
+          <a:schemeClr val="tx1"/>
+        </a:solidFill>
+        <a:latin typeface="+mn-lt"/>
+        <a:ea typeface="+mn-ea"/>
+        <a:cs typeface="+mn-cs"/>
+      </a:defRPr>
+    </a:lvl9pPr>
+  </p:notesStyle>
+</p:notesMaster>
+</file>
+
+<file path=ppt/notesSlides/notesSlide1.xml><?xml version="1.0" encoding="utf-8"?>
+<p:notes xmlns:a="http://schemas.openxmlformats.org/drawingml/2006/main" xmlns:r="http://schemas.openxmlformats.org/officeDocument/2006/relationships" xmlns:p="http://schemas.openxmlformats.org/presentationml/2006/main">
+  <p:cSld>
+    <p:spTree>
+      <p:nvGrpSpPr>
+        <p:cNvPr id="1" name=""/>
+        <p:cNvGrpSpPr/>
+        <p:nvPr/>
+      </p:nvGrpSpPr>
+      <p:grpSpPr>
+        <a:xfrm>
+          <a:off x="0" y="0"/>
+          <a:ext cx="0" cy="0"/>
+          <a:chOff x="0" y="0"/>
+          <a:chExt cx="0" cy="0"/>
+        </a:xfrm>
+      </p:grpSpPr>
+      <p:sp>
+        <p:nvSpPr>
+          <p:cNvPr id="2" name="Slide Image Placeholder 1"/>
+          <p:cNvSpPr>
+            <a:spLocks noGrp="1" noRot="1" noChangeAspect="1"/>
+          </p:cNvSpPr>
+          <p:nvPr>
+            <p:ph type="sldImg"/>
+          </p:nvPr>
+        </p:nvSpPr>
+        <p:spPr/>
+      </p:sp>
+      <p:sp>
+        <p:nvSpPr>
+          <p:cNvPr id="3" name="Notes Placeholder 2"/>
+          <p:cNvSpPr>
+            <a:spLocks noGrp="1"/>
+          </p:cNvSpPr>
+          <p:nvPr>
+            <p:ph type="body" idx="1"/>
+          </p:nvPr>
+        </p:nvSpPr>
+        <p:spPr/>
+        <p:txBody>
+          <a:bodyPr/>
+          <a:lstStyle/>
+          <a:p>
+            <a:endParaRPr lang="en-US"/>
+          </a:p>
+        </p:txBody>
+      </p:sp>
+      <p:sp>
+        <p:nvSpPr>
+          <p:cNvPr id="4" name="Slide Number Placeholder 3"/>
+          <p:cNvSpPr>
+            <a:spLocks noGrp="1"/>
+          </p:cNvSpPr>
+          <p:nvPr>
+            <p:ph type="sldNum" sz="quarter" idx="5"/>
+          </p:nvPr>
+        </p:nvSpPr>
+        <p:spPr/>
+        <p:txBody>
+          <a:bodyPr/>
+          <a:lstStyle/>
+          <a:p>
+            <a:fld id="{81809317-2822-B841-BAEE-0C7F18C96C69}" type="slidenum">
+              <a:rPr lang="en-US" smtClean="0"/>
+              <a:t>1</a:t>
+            </a:fld>
+            <a:endParaRPr lang="en-US"/>
+          </a:p>
+        </p:txBody>
+      </p:sp>
+    </p:spTree>
+    <p:extLst>
+      <p:ext uri="{BB962C8B-B14F-4D97-AF65-F5344CB8AC3E}">
+        <p14:creationId xmlns:p14="http://schemas.microsoft.com/office/powerpoint/2010/main" val="1328124160"/>
+      </p:ext>
+    </p:extLst>
+  </p:cSld>
+  <p:clrMapOvr>
+    <a:masterClrMapping/>
+  </p:clrMapOvr>
+</p:notes>
 </file>
 
 <file path=ppt/slideLayouts/slideLayout1.xml><?xml version="1.0" encoding="utf-8"?>
@@ -3378,10 +3815,10 @@
       </p:sp>
       <p:pic>
         <p:nvPicPr>
-          <p:cNvPr id="4" name="Picture 3" descr="Diagram&#10;&#10;Description automatically generated">
+          <p:cNvPr id="7" name="Picture 6" descr="Diagram&#10;&#10;Description automatically generated">
             <a:extLst>
               <a:ext uri="{FF2B5EF4-FFF2-40B4-BE49-F238E27FC236}">
-                <a16:creationId xmlns:a16="http://schemas.microsoft.com/office/drawing/2014/main" id="{6827DBCA-D357-C43C-8624-5A4DC6CF9F52}"/>
+                <a16:creationId xmlns:a16="http://schemas.microsoft.com/office/drawing/2014/main" id="{37671ADB-7F3A-2E2A-EB1D-853344061A5D}"/>
               </a:ext>
             </a:extLst>
           </p:cNvPr>
@@ -3391,7 +3828,7 @@
           <p:nvPr/>
         </p:nvPicPr>
         <p:blipFill>
-          <a:blip r:embed="rId2"/>
+          <a:blip r:embed="rId3"/>
           <a:stretch>
             <a:fillRect/>
           </a:stretch>
@@ -9708,4 +10145,299 @@
     </a:ext>
   </a:extLst>
 </a:theme>
+</file>
+
+<file path=ppt/theme/theme2.xml><?xml version="1.0" encoding="utf-8"?>
+<a:theme xmlns:a="http://schemas.openxmlformats.org/drawingml/2006/main" name="Office Theme">
+  <a:themeElements>
+    <a:clrScheme name="Office">
+      <a:dk1>
+        <a:sysClr val="windowText" lastClr="000000"/>
+      </a:dk1>
+      <a:lt1>
+        <a:sysClr val="window" lastClr="FFFFFF"/>
+      </a:lt1>
+      <a:dk2>
+        <a:srgbClr val="44546A"/>
+      </a:dk2>
+      <a:lt2>
+        <a:srgbClr val="E7E6E6"/>
+      </a:lt2>
+      <a:accent1>
+        <a:srgbClr val="4472C4"/>
+      </a:accent1>
+      <a:accent2>
+        <a:srgbClr val="ED7D31"/>
+      </a:accent2>
+      <a:accent3>
+        <a:srgbClr val="A5A5A5"/>
+      </a:accent3>
+      <a:accent4>
+        <a:srgbClr val="FFC000"/>
+      </a:accent4>
+      <a:accent5>
+        <a:srgbClr val="5B9BD5"/>
+      </a:accent5>
+      <a:accent6>
+        <a:srgbClr val="70AD47"/>
+      </a:accent6>
+      <a:hlink>
+        <a:srgbClr val="0563C1"/>
+      </a:hlink>
+      <a:folHlink>
+        <a:srgbClr val="954F72"/>
+      </a:folHlink>
+    </a:clrScheme>
+    <a:fontScheme name="Office">
+      <a:majorFont>
+        <a:latin typeface="Calibri Light" panose="020F0302020204030204"/>
+        <a:ea typeface=""/>
+        <a:cs typeface=""/>
+        <a:font script="Jpan" typeface="游ゴシック Light"/>
+        <a:font script="Hang" typeface="맑은 고딕"/>
+        <a:font script="Hans" typeface="等线 Light"/>
+        <a:font script="Hant" typeface="新細明體"/>
+        <a:font script="Arab" typeface="Times New Roman"/>
+        <a:font script="Hebr" typeface="Times New Roman"/>
+        <a:font script="Thai" typeface="Angsana New"/>
+        <a:font script="Ethi" typeface="Nyala"/>
+        <a:font script="Beng" typeface="Vrinda"/>
+        <a:font script="Gujr" typeface="Shruti"/>
+        <a:font script="Khmr" typeface="MoolBoran"/>
+        <a:font script="Knda" typeface="Tunga"/>
+        <a:font script="Guru" typeface="Raavi"/>
+        <a:font script="Cans" typeface="Euphemia"/>
+        <a:font script="Cher" typeface="Plantagenet Cherokee"/>
+        <a:font script="Yiii" typeface="Microsoft Yi Baiti"/>
+        <a:font script="Tibt" typeface="Microsoft Himalaya"/>
+        <a:font script="Thaa" typeface="MV Boli"/>
+        <a:font script="Deva" typeface="Mangal"/>
+        <a:font script="Telu" typeface="Gautami"/>
+        <a:font script="Taml" typeface="Latha"/>
+        <a:font script="Syrc" typeface="Estrangelo Edessa"/>
+        <a:font script="Orya" typeface="Kalinga"/>
+        <a:font script="Mlym" typeface="Kartika"/>
+        <a:font script="Laoo" typeface="DokChampa"/>
+        <a:font script="Sinh" typeface="Iskoola Pota"/>
+        <a:font script="Mong" typeface="Mongolian Baiti"/>
+        <a:font script="Viet" typeface="Times New Roman"/>
+        <a:font script="Uigh" typeface="Microsoft Uighur"/>
+        <a:font script="Geor" typeface="Sylfaen"/>
+        <a:font script="Armn" typeface="Arial"/>
+        <a:font script="Bugi" typeface="Leelawadee UI"/>
+        <a:font script="Bopo" typeface="Microsoft JhengHei"/>
+        <a:font script="Java" typeface="Javanese Text"/>
+        <a:font script="Lisu" typeface="Segoe UI"/>
+        <a:font script="Mymr" typeface="Myanmar Text"/>
+        <a:font script="Nkoo" typeface="Ebrima"/>
+        <a:font script="Olck" typeface="Nirmala UI"/>
+        <a:font script="Osma" typeface="Ebrima"/>
+        <a:font script="Phag" typeface="Phagspa"/>
+        <a:font script="Syrn" typeface="Estrangelo Edessa"/>
+        <a:font script="Syrj" typeface="Estrangelo Edessa"/>
+        <a:font script="Syre" typeface="Estrangelo Edessa"/>
+        <a:font script="Sora" typeface="Nirmala UI"/>
+        <a:font script="Tale" typeface="Microsoft Tai Le"/>
+        <a:font script="Talu" typeface="Microsoft New Tai Lue"/>
+        <a:font script="Tfng" typeface="Ebrima"/>
+      </a:majorFont>
+      <a:minorFont>
+        <a:latin typeface="Calibri" panose="020F0502020204030204"/>
+        <a:ea typeface=""/>
+        <a:cs typeface=""/>
+        <a:font script="Jpan" typeface="游ゴシック"/>
+        <a:font script="Hang" typeface="맑은 고딕"/>
+        <a:font script="Hans" typeface="等线"/>
+        <a:font script="Hant" typeface="新細明體"/>
+        <a:font script="Arab" typeface="Arial"/>
+        <a:font script="Hebr" typeface="Arial"/>
+        <a:font script="Thai" typeface="Cordia New"/>
+        <a:font script="Ethi" typeface="Nyala"/>
+        <a:font script="Beng" typeface="Vrinda"/>
+        <a:font script="Gujr" typeface="Shruti"/>
+        <a:font script="Khmr" typeface="DaunPenh"/>
+        <a:font script="Knda" typeface="Tunga"/>
+        <a:font script="Guru" typeface="Raavi"/>
+        <a:font script="Cans" typeface="Euphemia"/>
+        <a:font script="Cher" typeface="Plantagenet Cherokee"/>
+        <a:font script="Yiii" typeface="Microsoft Yi Baiti"/>
+        <a:font script="Tibt" typeface="Microsoft Himalaya"/>
+        <a:font script="Thaa" typeface="MV Boli"/>
+        <a:font script="Deva" typeface="Mangal"/>
+        <a:font script="Telu" typeface="Gautami"/>
+        <a:font script="Taml" typeface="Latha"/>
+        <a:font script="Syrc" typeface="Estrangelo Edessa"/>
+        <a:font script="Orya" typeface="Kalinga"/>
+        <a:font script="Mlym" typeface="Kartika"/>
+        <a:font script="Laoo" typeface="DokChampa"/>
+        <a:font script="Sinh" typeface="Iskoola Pota"/>
+        <a:font script="Mong" typeface="Mongolian Baiti"/>
+        <a:font script="Viet" typeface="Arial"/>
+        <a:font script="Uigh" typeface="Microsoft Uighur"/>
+        <a:font script="Geor" typeface="Sylfaen"/>
+        <a:font script="Armn" typeface="Arial"/>
+        <a:font script="Bugi" typeface="Leelawadee UI"/>
+        <a:font script="Bopo" typeface="Microsoft JhengHei"/>
+        <a:font script="Java" typeface="Javanese Text"/>
+        <a:font script="Lisu" typeface="Segoe UI"/>
+        <a:font script="Mymr" typeface="Myanmar Text"/>
+        <a:font script="Nkoo" typeface="Ebrima"/>
+        <a:font script="Olck" typeface="Nirmala UI"/>
+        <a:font script="Osma" typeface="Ebrima"/>
+        <a:font script="Phag" typeface="Phagspa"/>
+        <a:font script="Syrn" typeface="Estrangelo Edessa"/>
+        <a:font script="Syrj" typeface="Estrangelo Edessa"/>
+        <a:font script="Syre" typeface="Estrangelo Edessa"/>
+        <a:font script="Sora" typeface="Nirmala UI"/>
+        <a:font script="Tale" typeface="Microsoft Tai Le"/>
+        <a:font script="Talu" typeface="Microsoft New Tai Lue"/>
+        <a:font script="Tfng" typeface="Ebrima"/>
+      </a:minorFont>
+    </a:fontScheme>
+    <a:fmtScheme name="Office">
+      <a:fillStyleLst>
+        <a:solidFill>
+          <a:schemeClr val="phClr"/>
+        </a:solidFill>
+        <a:gradFill rotWithShape="1">
+          <a:gsLst>
+            <a:gs pos="0">
+              <a:schemeClr val="phClr">
+                <a:lumMod val="110000"/>
+                <a:satMod val="105000"/>
+                <a:tint val="67000"/>
+              </a:schemeClr>
+            </a:gs>
+            <a:gs pos="50000">
+              <a:schemeClr val="phClr">
+                <a:lumMod val="105000"/>
+                <a:satMod val="103000"/>
+                <a:tint val="73000"/>
+              </a:schemeClr>
+            </a:gs>
+            <a:gs pos="100000">
+              <a:schemeClr val="phClr">
+                <a:lumMod val="105000"/>
+                <a:satMod val="109000"/>
+                <a:tint val="81000"/>
+              </a:schemeClr>
+            </a:gs>
+          </a:gsLst>
+          <a:lin ang="5400000" scaled="0"/>
+        </a:gradFill>
+        <a:gradFill rotWithShape="1">
+          <a:gsLst>
+            <a:gs pos="0">
+              <a:schemeClr val="phClr">
+                <a:satMod val="103000"/>
+                <a:lumMod val="102000"/>
+                <a:tint val="94000"/>
+              </a:schemeClr>
+            </a:gs>
+            <a:gs pos="50000">
+              <a:schemeClr val="phClr">
+                <a:satMod val="110000"/>
+                <a:lumMod val="100000"/>
+                <a:shade val="100000"/>
+              </a:schemeClr>
+            </a:gs>
+            <a:gs pos="100000">
+              <a:schemeClr val="phClr">
+                <a:lumMod val="99000"/>
+                <a:satMod val="120000"/>
+                <a:shade val="78000"/>
+              </a:schemeClr>
+            </a:gs>
+          </a:gsLst>
+          <a:lin ang="5400000" scaled="0"/>
+        </a:gradFill>
+      </a:fillStyleLst>
+      <a:lnStyleLst>
+        <a:ln w="6350" cap="flat" cmpd="sng" algn="ctr">
+          <a:solidFill>
+            <a:schemeClr val="phClr"/>
+          </a:solidFill>
+          <a:prstDash val="solid"/>
+          <a:miter lim="800000"/>
+        </a:ln>
+        <a:ln w="12700" cap="flat" cmpd="sng" algn="ctr">
+          <a:solidFill>
+            <a:schemeClr val="phClr"/>
+          </a:solidFill>
+          <a:prstDash val="solid"/>
+          <a:miter lim="800000"/>
+        </a:ln>
+        <a:ln w="19050" cap="flat" cmpd="sng" algn="ctr">
+          <a:solidFill>
+            <a:schemeClr val="phClr"/>
+          </a:solidFill>
+          <a:prstDash val="solid"/>
+          <a:miter lim="800000"/>
+        </a:ln>
+      </a:lnStyleLst>
+      <a:effectStyleLst>
+        <a:effectStyle>
+          <a:effectLst/>
+        </a:effectStyle>
+        <a:effectStyle>
+          <a:effectLst/>
+        </a:effectStyle>
+        <a:effectStyle>
+          <a:effectLst>
+            <a:outerShdw blurRad="57150" dist="19050" dir="5400000" algn="ctr" rotWithShape="0">
+              <a:srgbClr val="000000">
+                <a:alpha val="63000"/>
+              </a:srgbClr>
+            </a:outerShdw>
+          </a:effectLst>
+        </a:effectStyle>
+      </a:effectStyleLst>
+      <a:bgFillStyleLst>
+        <a:solidFill>
+          <a:schemeClr val="phClr"/>
+        </a:solidFill>
+        <a:solidFill>
+          <a:schemeClr val="phClr">
+            <a:tint val="95000"/>
+            <a:satMod val="170000"/>
+          </a:schemeClr>
+        </a:solidFill>
+        <a:gradFill rotWithShape="1">
+          <a:gsLst>
+            <a:gs pos="0">
+              <a:schemeClr val="phClr">
+                <a:tint val="93000"/>
+                <a:satMod val="150000"/>
+                <a:shade val="98000"/>
+                <a:lumMod val="102000"/>
+              </a:schemeClr>
+            </a:gs>
+            <a:gs pos="50000">
+              <a:schemeClr val="phClr">
+                <a:tint val="98000"/>
+                <a:satMod val="130000"/>
+                <a:shade val="90000"/>
+                <a:lumMod val="103000"/>
+              </a:schemeClr>
+            </a:gs>
+            <a:gs pos="100000">
+              <a:schemeClr val="phClr">
+                <a:shade val="63000"/>
+                <a:satMod val="120000"/>
+              </a:schemeClr>
+            </a:gs>
+          </a:gsLst>
+          <a:lin ang="5400000" scaled="0"/>
+        </a:gradFill>
+      </a:bgFillStyleLst>
+    </a:fmtScheme>
+  </a:themeElements>
+  <a:objectDefaults/>
+  <a:extraClrSchemeLst/>
+  <a:extLst>
+    <a:ext uri="{05A4C25C-085E-4340-85A3-A5531E510DB2}">
+      <thm15:themeFamily xmlns:thm15="http://schemas.microsoft.com/office/thememl/2012/main" name="Office Theme" id="{62F939B6-93AF-4DB8-9C6B-D6C7DFDC589F}" vid="{4A3C46E8-61CC-4603-A589-7422A47A8E4A}"/>
+    </a:ext>
+  </a:extLst>
+</a:theme>
 </file>
--- a/Modelling/Presentation.pptx
+++ b/Modelling/Presentation.pptx
@@ -201,7 +201,7 @@
           <a:p>
             <a:fld id="{4446B64A-3664-4B40-89B3-B89A56623D19}" type="datetimeFigureOut">
               <a:rPr lang="en-US" smtClean="0"/>
-              <a:t>9/20/22</a:t>
+              <a:t>9/21/22</a:t>
             </a:fld>
             <a:endParaRPr lang="en-US"/>
           </a:p>
@@ -513,7 +513,7 @@
           <a:bodyPr/>
           <a:lstStyle/>
           <a:p>
-            <a:endParaRPr lang="en-US"/>
+            <a:endParaRPr lang="en-US" dirty="0"/>
           </a:p>
         </p:txBody>
       </p:sp>
@@ -702,7 +702,7 @@
           <a:p>
             <a:fld id="{D874E509-E46D-5449-B970-3AC430F5BDED}" type="datetimeFigureOut">
               <a:rPr lang="en-US" smtClean="0"/>
-              <a:t>9/20/22</a:t>
+              <a:t>9/21/22</a:t>
             </a:fld>
             <a:endParaRPr lang="en-US"/>
           </a:p>
@@ -902,7 +902,7 @@
           <a:p>
             <a:fld id="{D874E509-E46D-5449-B970-3AC430F5BDED}" type="datetimeFigureOut">
               <a:rPr lang="en-US" smtClean="0"/>
-              <a:t>9/20/22</a:t>
+              <a:t>9/21/22</a:t>
             </a:fld>
             <a:endParaRPr lang="en-US"/>
           </a:p>
@@ -1112,7 +1112,7 @@
           <a:p>
             <a:fld id="{D874E509-E46D-5449-B970-3AC430F5BDED}" type="datetimeFigureOut">
               <a:rPr lang="en-US" smtClean="0"/>
-              <a:t>9/20/22</a:t>
+              <a:t>9/21/22</a:t>
             </a:fld>
             <a:endParaRPr lang="en-US"/>
           </a:p>
@@ -1312,7 +1312,7 @@
           <a:p>
             <a:fld id="{D874E509-E46D-5449-B970-3AC430F5BDED}" type="datetimeFigureOut">
               <a:rPr lang="en-US" smtClean="0"/>
-              <a:t>9/20/22</a:t>
+              <a:t>9/21/22</a:t>
             </a:fld>
             <a:endParaRPr lang="en-US"/>
           </a:p>
@@ -1588,7 +1588,7 @@
           <a:p>
             <a:fld id="{D874E509-E46D-5449-B970-3AC430F5BDED}" type="datetimeFigureOut">
               <a:rPr lang="en-US" smtClean="0"/>
-              <a:t>9/20/22</a:t>
+              <a:t>9/21/22</a:t>
             </a:fld>
             <a:endParaRPr lang="en-US"/>
           </a:p>
@@ -1856,7 +1856,7 @@
           <a:p>
             <a:fld id="{D874E509-E46D-5449-B970-3AC430F5BDED}" type="datetimeFigureOut">
               <a:rPr lang="en-US" smtClean="0"/>
-              <a:t>9/20/22</a:t>
+              <a:t>9/21/22</a:t>
             </a:fld>
             <a:endParaRPr lang="en-US"/>
           </a:p>
@@ -2271,7 +2271,7 @@
           <a:p>
             <a:fld id="{D874E509-E46D-5449-B970-3AC430F5BDED}" type="datetimeFigureOut">
               <a:rPr lang="en-US" smtClean="0"/>
-              <a:t>9/20/22</a:t>
+              <a:t>9/21/22</a:t>
             </a:fld>
             <a:endParaRPr lang="en-US"/>
           </a:p>
@@ -2413,7 +2413,7 @@
           <a:p>
             <a:fld id="{D874E509-E46D-5449-B970-3AC430F5BDED}" type="datetimeFigureOut">
               <a:rPr lang="en-US" smtClean="0"/>
-              <a:t>9/20/22</a:t>
+              <a:t>9/21/22</a:t>
             </a:fld>
             <a:endParaRPr lang="en-US"/>
           </a:p>
@@ -2526,7 +2526,7 @@
           <a:p>
             <a:fld id="{D874E509-E46D-5449-B970-3AC430F5BDED}" type="datetimeFigureOut">
               <a:rPr lang="en-US" smtClean="0"/>
-              <a:t>9/20/22</a:t>
+              <a:t>9/21/22</a:t>
             </a:fld>
             <a:endParaRPr lang="en-US"/>
           </a:p>
@@ -2839,7 +2839,7 @@
           <a:p>
             <a:fld id="{D874E509-E46D-5449-B970-3AC430F5BDED}" type="datetimeFigureOut">
               <a:rPr lang="en-US" smtClean="0"/>
-              <a:t>9/20/22</a:t>
+              <a:t>9/21/22</a:t>
             </a:fld>
             <a:endParaRPr lang="en-US"/>
           </a:p>
@@ -3128,7 +3128,7 @@
           <a:p>
             <a:fld id="{D874E509-E46D-5449-B970-3AC430F5BDED}" type="datetimeFigureOut">
               <a:rPr lang="en-US" smtClean="0"/>
-              <a:t>9/20/22</a:t>
+              <a:t>9/21/22</a:t>
             </a:fld>
             <a:endParaRPr lang="en-US"/>
           </a:p>
@@ -3371,7 +3371,7 @@
           <a:p>
             <a:fld id="{D874E509-E46D-5449-B970-3AC430F5BDED}" type="datetimeFigureOut">
               <a:rPr lang="en-US" smtClean="0"/>
-              <a:t>9/20/22</a:t>
+              <a:t>9/21/22</a:t>
             </a:fld>
             <a:endParaRPr lang="en-US"/>
           </a:p>
@@ -3815,10 +3815,10 @@
       </p:sp>
       <p:pic>
         <p:nvPicPr>
-          <p:cNvPr id="7" name="Picture 6" descr="Diagram&#10;&#10;Description automatically generated">
+          <p:cNvPr id="4" name="Picture 3" descr="Diagram&#10;&#10;Description automatically generated">
             <a:extLst>
               <a:ext uri="{FF2B5EF4-FFF2-40B4-BE49-F238E27FC236}">
-                <a16:creationId xmlns:a16="http://schemas.microsoft.com/office/drawing/2014/main" id="{37671ADB-7F3A-2E2A-EB1D-853344061A5D}"/>
+                <a16:creationId xmlns:a16="http://schemas.microsoft.com/office/drawing/2014/main" id="{14B241D9-261F-07DB-9B18-70540AFD4605}"/>
               </a:ext>
             </a:extLst>
           </p:cNvPr>
@@ -3835,8 +3835,8 @@
         </p:blipFill>
         <p:spPr>
           <a:xfrm>
-            <a:off x="0" y="292454"/>
-            <a:ext cx="12192000" cy="6273091"/>
+            <a:off x="412750" y="508000"/>
+            <a:ext cx="11366500" cy="5842000"/>
           </a:xfrm>
           <a:prstGeom prst="rect">
             <a:avLst/>
@@ -4013,6 +4013,15 @@
           </a:p>
           <a:p>
             <a:r>
+              <a:rPr lang="en-IN" dirty="0" err="1">
+                <a:solidFill>
+                  <a:srgbClr val="000000"/>
+                </a:solidFill>
+                <a:latin typeface="Menlo" panose="020B0609030804020204" pitchFamily="49" charset="0"/>
+              </a:rPr>
+              <a:t>M</a:t>
+            </a:r>
+            <a:r>
               <a:rPr lang="en-IN" b="0" dirty="0" err="1">
                 <a:solidFill>
                   <a:srgbClr val="000000"/>
@@ -4020,7 +4029,7 @@
                 <a:effectLst/>
                 <a:latin typeface="Menlo" panose="020B0609030804020204" pitchFamily="49" charset="0"/>
               </a:rPr>
-              <a:t>V.video_id</a:t>
+              <a:t>.video_id</a:t>
             </a:r>
             <a:r>
               <a:rPr lang="en-IN" b="0" dirty="0">
@@ -4064,7 +4073,7 @@
                 <a:effectLst/>
                 <a:latin typeface="Menlo" panose="020B0609030804020204" pitchFamily="49" charset="0"/>
               </a:rPr>
-              <a:t>C.pdb_id</a:t>
+              <a:t>MC.pdb_id</a:t>
             </a:r>
             <a:endParaRPr lang="en-IN" b="0" dirty="0">
               <a:solidFill>
@@ -4134,7 +4143,118 @@
                 <a:effectLst/>
                 <a:latin typeface="Menlo" panose="020B0609030804020204" pitchFamily="49" charset="0"/>
               </a:rPr>
-              <a:t>Cellular_Components</a:t>
+              <a:t>Media_Component</a:t>
+            </a:r>
+            <a:r>
+              <a:rPr lang="en-IN" b="0" dirty="0">
+                <a:solidFill>
+                  <a:srgbClr val="000000"/>
+                </a:solidFill>
+                <a:effectLst/>
+                <a:latin typeface="Menlo" panose="020B0609030804020204" pitchFamily="49" charset="0"/>
+              </a:rPr>
+              <a:t> MC </a:t>
+            </a:r>
+            <a:r>
+              <a:rPr lang="en-IN" b="0" dirty="0">
+                <a:solidFill>
+                  <a:srgbClr val="0000FF"/>
+                </a:solidFill>
+                <a:effectLst/>
+                <a:latin typeface="Menlo" panose="020B0609030804020204" pitchFamily="49" charset="0"/>
+              </a:rPr>
+              <a:t>ON</a:t>
+            </a:r>
+            <a:r>
+              <a:rPr lang="en-IN" b="0" dirty="0">
+                <a:solidFill>
+                  <a:srgbClr val="000000"/>
+                </a:solidFill>
+                <a:effectLst/>
+                <a:latin typeface="Menlo" panose="020B0609030804020204" pitchFamily="49" charset="0"/>
+              </a:rPr>
+              <a:t> (</a:t>
+            </a:r>
+            <a:r>
+              <a:rPr lang="en-IN" b="0" dirty="0" err="1">
+                <a:solidFill>
+                  <a:srgbClr val="000000"/>
+                </a:solidFill>
+                <a:effectLst/>
+                <a:latin typeface="Menlo" panose="020B0609030804020204" pitchFamily="49" charset="0"/>
+              </a:rPr>
+              <a:t>M.media_id</a:t>
+            </a:r>
+            <a:r>
+              <a:rPr lang="en-IN" b="0" dirty="0">
+                <a:solidFill>
+                  <a:srgbClr val="000000"/>
+                </a:solidFill>
+                <a:effectLst/>
+                <a:latin typeface="Menlo" panose="020B0609030804020204" pitchFamily="49" charset="0"/>
+              </a:rPr>
+              <a:t> = </a:t>
+            </a:r>
+            <a:r>
+              <a:rPr lang="en-IN" b="0" dirty="0" err="1">
+                <a:solidFill>
+                  <a:srgbClr val="000000"/>
+                </a:solidFill>
+                <a:effectLst/>
+                <a:latin typeface="Menlo" panose="020B0609030804020204" pitchFamily="49" charset="0"/>
+              </a:rPr>
+              <a:t>MC.media_id</a:t>
+            </a:r>
+            <a:r>
+              <a:rPr lang="en-IN" b="0" dirty="0">
+                <a:solidFill>
+                  <a:srgbClr val="000000"/>
+                </a:solidFill>
+                <a:effectLst/>
+                <a:latin typeface="Menlo" panose="020B0609030804020204" pitchFamily="49" charset="0"/>
+              </a:rPr>
+              <a:t>)</a:t>
+            </a:r>
+          </a:p>
+          <a:p>
+            <a:r>
+              <a:rPr lang="en-IN" b="0" dirty="0">
+                <a:solidFill>
+                  <a:srgbClr val="0000FF"/>
+                </a:solidFill>
+                <a:effectLst/>
+                <a:latin typeface="Menlo" panose="020B0609030804020204" pitchFamily="49" charset="0"/>
+              </a:rPr>
+              <a:t>INNER JOIN</a:t>
+            </a:r>
+            <a:r>
+              <a:rPr lang="en-IN" b="0" dirty="0">
+                <a:solidFill>
+                  <a:srgbClr val="000000"/>
+                </a:solidFill>
+                <a:effectLst/>
+                <a:latin typeface="Menlo" panose="020B0609030804020204" pitchFamily="49" charset="0"/>
+              </a:rPr>
+              <a:t> </a:t>
+            </a:r>
+            <a:r>
+              <a:rPr lang="en-IN" dirty="0" err="1">
+                <a:solidFill>
+                  <a:srgbClr val="000000"/>
+                </a:solidFill>
+                <a:latin typeface="Menlo" panose="020B0609030804020204" pitchFamily="49" charset="0"/>
+              </a:rPr>
+              <a:t>Cellular</a:t>
+            </a:r>
+            <a:r>
+              <a:rPr lang="en-IN" b="0" dirty="0" err="1">
+                <a:solidFill>
+                  <a:srgbClr val="000000"/>
+                </a:solidFill>
+                <a:effectLst/>
+                <a:latin typeface="Menlo" panose="020B0609030804020204" pitchFamily="49" charset="0"/>
+              </a:rPr>
+              <a:t>_Component</a:t>
             </a:r>
             <a:r>
               <a:rPr lang="en-IN" b="0" dirty="0">
@@ -4167,6 +4287,15 @@
               <a:t> (</a:t>
             </a:r>
             <a:r>
+              <a:rPr lang="en-IN" dirty="0" err="1">
+                <a:solidFill>
+                  <a:srgbClr val="000000"/>
+                </a:solidFill>
+                <a:latin typeface="Menlo" panose="020B0609030804020204" pitchFamily="49" charset="0"/>
+              </a:rPr>
+              <a:t>C</a:t>
+            </a:r>
+            <a:r>
               <a:rPr lang="en-IN" b="0" dirty="0" err="1">
                 <a:solidFill>
                   <a:srgbClr val="000000"/>
@@ -4174,7 +4303,7 @@
                 <a:effectLst/>
                 <a:latin typeface="Menlo" panose="020B0609030804020204" pitchFamily="49" charset="0"/>
               </a:rPr>
-              <a:t>M.pdb_id</a:t>
+              <a:t>.pdb_id</a:t>
             </a:r>
             <a:r>
               <a:rPr lang="en-IN" b="0" dirty="0">
@@ -4194,89 +4323,7 @@
                 <a:effectLst/>
                 <a:latin typeface="Menlo" panose="020B0609030804020204" pitchFamily="49" charset="0"/>
               </a:rPr>
-              <a:t>C.pdb_id</a:t>
-            </a:r>
-            <a:r>
-              <a:rPr lang="en-IN" b="0" dirty="0">
-                <a:solidFill>
-                  <a:srgbClr val="000000"/>
-                </a:solidFill>
-                <a:effectLst/>
-                <a:latin typeface="Menlo" panose="020B0609030804020204" pitchFamily="49" charset="0"/>
-              </a:rPr>
-              <a:t>)</a:t>
-            </a:r>
-          </a:p>
-          <a:p>
-            <a:r>
-              <a:rPr lang="en-IN" b="0" dirty="0">
-                <a:solidFill>
-                  <a:srgbClr val="0000FF"/>
-                </a:solidFill>
-                <a:effectLst/>
-                <a:latin typeface="Menlo" panose="020B0609030804020204" pitchFamily="49" charset="0"/>
-              </a:rPr>
-              <a:t>INNER JOIN</a:t>
-            </a:r>
-            <a:r>
-              <a:rPr lang="en-IN" b="0" dirty="0">
-                <a:solidFill>
-                  <a:srgbClr val="000000"/>
-                </a:solidFill>
-                <a:effectLst/>
-                <a:latin typeface="Menlo" panose="020B0609030804020204" pitchFamily="49" charset="0"/>
-              </a:rPr>
-              <a:t> Video V </a:t>
-            </a:r>
-            <a:r>
-              <a:rPr lang="en-IN" b="0" dirty="0">
-                <a:solidFill>
-                  <a:srgbClr val="0000FF"/>
-                </a:solidFill>
-                <a:effectLst/>
-                <a:latin typeface="Menlo" panose="020B0609030804020204" pitchFamily="49" charset="0"/>
-              </a:rPr>
-              <a:t>ON</a:t>
-            </a:r>
-            <a:r>
-              <a:rPr lang="en-IN" b="0" dirty="0">
-                <a:solidFill>
-                  <a:srgbClr val="000000"/>
-                </a:solidFill>
-                <a:effectLst/>
-                <a:latin typeface="Menlo" panose="020B0609030804020204" pitchFamily="49" charset="0"/>
-              </a:rPr>
-              <a:t> (</a:t>
-            </a:r>
-            <a:r>
-              <a:rPr lang="en-IN" b="0" dirty="0" err="1">
-                <a:solidFill>
-                  <a:srgbClr val="000000"/>
-                </a:solidFill>
-                <a:effectLst/>
-                <a:latin typeface="Menlo" panose="020B0609030804020204" pitchFamily="49" charset="0"/>
-              </a:rPr>
-              <a:t>M.video_id</a:t>
-            </a:r>
-            <a:r>
-              <a:rPr lang="en-IN" b="0" dirty="0">
-                <a:solidFill>
-                  <a:srgbClr val="000000"/>
-                </a:solidFill>
-                <a:effectLst/>
-                <a:latin typeface="Menlo" panose="020B0609030804020204" pitchFamily="49" charset="0"/>
-              </a:rPr>
-              <a:t> = </a:t>
-            </a:r>
-            <a:r>
-              <a:rPr lang="en-IN" b="0" dirty="0" err="1">
-                <a:solidFill>
-                  <a:srgbClr val="000000"/>
-                </a:solidFill>
-                <a:effectLst/>
-                <a:latin typeface="Menlo" panose="020B0609030804020204" pitchFamily="49" charset="0"/>
-              </a:rPr>
-              <a:t>V.video_id</a:t>
+              <a:t>MC.pdb_id</a:t>
             </a:r>
             <a:r>
               <a:rPr lang="en-IN" b="0" dirty="0">
@@ -4956,12 +5003,36 @@
                     <a:p>
                       <a:pPr algn="l" fontAlgn="b"/>
                       <a:r>
-                        <a:rPr lang="en-IN" sz="1000" u="none" strike="noStrike">
-                          <a:effectLst/>
-                        </a:rPr>
-                        <a:t>World in a Cell_Nick Promo_Draft 5_0309</a:t>
-                      </a:r>
-                      <a:endParaRPr lang="en-IN" sz="1000" b="0" i="0" u="none" strike="noStrike">
+                        <a:rPr lang="en-IN" sz="1000" u="none" strike="noStrike" dirty="0">
+                          <a:effectLst/>
+                        </a:rPr>
+                        <a:t>World in a </a:t>
+                      </a:r>
+                      <a:r>
+                        <a:rPr lang="en-IN" sz="1000" u="none" strike="noStrike" dirty="0" err="1">
+                          <a:effectLst/>
+                        </a:rPr>
+                        <a:t>Cell_Nick</a:t>
+                      </a:r>
+                      <a:r>
+                        <a:rPr lang="en-IN" sz="1000" u="none" strike="noStrike" dirty="0">
+                          <a:effectLst/>
+                        </a:rPr>
+                        <a:t> </a:t>
+                      </a:r>
+                      <a:r>
+                        <a:rPr lang="en-IN" sz="1000" u="none" strike="noStrike" dirty="0" err="1">
+                          <a:effectLst/>
+                        </a:rPr>
+                        <a:t>Promo_Draft</a:t>
+                      </a:r>
+                      <a:r>
+                        <a:rPr lang="en-IN" sz="1000" u="none" strike="noStrike" dirty="0">
+                          <a:effectLst/>
+                        </a:rPr>
+                        <a:t> 5_0309</a:t>
+                      </a:r>
+                      <a:endParaRPr lang="en-IN" sz="1000" b="0" i="0" u="none" strike="noStrike" dirty="0">
                         <a:solidFill>
                           <a:srgbClr val="000000"/>
                         </a:solidFill>
@@ -5162,12 +5233,12 @@
                     <a:p>
                       <a:pPr algn="l" fontAlgn="b"/>
                       <a:r>
-                        <a:rPr lang="en-IN" sz="1000" u="none" strike="noStrike">
+                        <a:rPr lang="en-IN" sz="1000" u="none" strike="noStrike" dirty="0">
                           <a:effectLst/>
                         </a:rPr>
                         <a:t>WiaC_Trailer_v1_20190630</a:t>
                       </a:r>
-                      <a:endParaRPr lang="en-IN" sz="1000" b="0" i="0" u="none" strike="noStrike">
+                      <a:endParaRPr lang="en-IN" sz="1000" b="0" i="0" u="none" strike="noStrike" dirty="0">
                         <a:solidFill>
                           <a:srgbClr val="000000"/>
                         </a:solidFill>
@@ -7271,12 +7342,12 @@
                     <a:p>
                       <a:pPr algn="r" fontAlgn="b"/>
                       <a:r>
-                        <a:rPr lang="en-IN" sz="1000" u="none" strike="noStrike">
+                        <a:rPr lang="en-IN" sz="1000" u="none" strike="noStrike" dirty="0">
                           <a:effectLst/>
                         </a:rPr>
                         <a:t>328612</a:t>
                       </a:r>
-                      <a:endParaRPr lang="en-IN" sz="1000" b="0" i="0" u="none" strike="noStrike">
+                      <a:endParaRPr lang="en-IN" sz="1000" b="0" i="0" u="none" strike="noStrike" dirty="0">
                         <a:solidFill>
                           <a:srgbClr val="000000"/>
                         </a:solidFill>
@@ -8213,14 +8284,14 @@
           <p:nvPr>
             <p:extLst>
               <p:ext uri="{D42A27DB-BD31-4B8C-83A1-F6EECF244321}">
-                <p14:modId xmlns:p14="http://schemas.microsoft.com/office/powerpoint/2010/main" val="134197779"/>
+                <p14:modId xmlns:p14="http://schemas.microsoft.com/office/powerpoint/2010/main" val="3683806798"/>
               </p:ext>
             </p:extLst>
           </p:nvPr>
         </p:nvGraphicFramePr>
         <p:xfrm>
           <a:off x="3564581" y="5474381"/>
-          <a:ext cx="3619500" cy="720725"/>
+          <a:ext cx="3619500" cy="1187450"/>
         </p:xfrm>
         <a:graphic>
           <a:graphicData uri="http://schemas.openxmlformats.org/drawingml/2006/table">
@@ -8236,14 +8307,14 @@
                     </a:ext>
                   </a:extLst>
                 </a:gridCol>
-                <a:gridCol w="1548500">
+                <a:gridCol w="1757319">
                   <a:extLst>
                     <a:ext uri="{9D8B030D-6E8A-4147-A177-3AD203B41FA5}">
                       <a16:colId xmlns:a16="http://schemas.microsoft.com/office/drawing/2014/main" val="2418464991"/>
                     </a:ext>
                   </a:extLst>
                 </a:gridCol>
-                <a:gridCol w="826500">
+                <a:gridCol w="617681">
                   <a:extLst>
                     <a:ext uri="{9D8B030D-6E8A-4147-A177-3AD203B41FA5}">
                       <a16:colId xmlns:a16="http://schemas.microsoft.com/office/drawing/2014/main" val="4230105218"/>
@@ -8411,12 +8482,135 @@
                     <a:p>
                       <a:pPr algn="r" fontAlgn="b"/>
                       <a:r>
-                        <a:rPr lang="en-IN" sz="1000" u="none" strike="noStrike">
+                        <a:rPr lang="en-IN" sz="1000" u="none" strike="noStrike" dirty="0">
+                          <a:effectLst/>
+                        </a:rPr>
+                        <a:t>328612</a:t>
+                      </a:r>
+                      <a:endParaRPr lang="en-IN" sz="1000" b="0" i="0" u="none" strike="noStrike" dirty="0">
+                        <a:solidFill>
+                          <a:srgbClr val="000000"/>
+                        </a:solidFill>
+                        <a:effectLst/>
+                        <a:latin typeface="Arial" panose="020B0604020202020204" pitchFamily="34" charset="0"/>
+                      </a:endParaRPr>
+                    </a:p>
+                  </a:txBody>
+                  <a:tcPr marL="9525" marR="9525" marT="9525" marB="0" anchor="b"/>
+                </a:tc>
+                <a:tc>
+                  <a:txBody>
+                    <a:bodyPr/>
+                    <a:lstStyle/>
+                    <a:p>
+                      <a:pPr marL="0" marR="0" lvl="0" indent="0" algn="l" defTabSz="914400" rtl="0" eaLnBrk="1" fontAlgn="b" latinLnBrk="0" hangingPunct="1">
+                        <a:lnSpc>
+                          <a:spcPct val="100000"/>
+                        </a:lnSpc>
+                        <a:spcBef>
+                          <a:spcPts val="0"/>
+                        </a:spcBef>
+                        <a:spcAft>
+                          <a:spcPts val="0"/>
+                        </a:spcAft>
+                        <a:buClrTx/>
+                        <a:buSzTx/>
+                        <a:buFontTx/>
+                        <a:buNone/>
+                        <a:tabLst/>
+                        <a:defRPr/>
+                      </a:pPr>
+                      <a:r>
+                        <a:rPr lang="en-IN" sz="1000" u="none" strike="noStrike" dirty="0">
+                          <a:effectLst/>
+                        </a:rPr>
+                        <a:t>World in a </a:t>
+                      </a:r>
+                      <a:r>
+                        <a:rPr lang="en-IN" sz="1000" u="none" strike="noStrike" dirty="0" err="1">
+                          <a:effectLst/>
+                        </a:rPr>
+                        <a:t>Cell_Nick</a:t>
+                      </a:r>
+                      <a:r>
+                        <a:rPr lang="en-IN" sz="1000" u="none" strike="noStrike" dirty="0">
+                          <a:effectLst/>
+                        </a:rPr>
+                        <a:t> </a:t>
+                      </a:r>
+                      <a:r>
+                        <a:rPr lang="en-IN" sz="1000" u="none" strike="noStrike" dirty="0" err="1">
+                          <a:effectLst/>
+                        </a:rPr>
+                        <a:t>Promo_Draft</a:t>
+                      </a:r>
+                      <a:r>
+                        <a:rPr lang="en-IN" sz="1000" u="none" strike="noStrike" dirty="0">
+                          <a:effectLst/>
+                        </a:rPr>
+                        <a:t> 5_0309</a:t>
+                      </a:r>
+                      <a:endParaRPr lang="en-IN" sz="1000" b="0" i="0" u="none" strike="noStrike" dirty="0">
+                        <a:solidFill>
+                          <a:srgbClr val="000000"/>
+                        </a:solidFill>
+                        <a:effectLst/>
+                        <a:latin typeface="Arial" panose="020B0604020202020204" pitchFamily="34" charset="0"/>
+                      </a:endParaRPr>
+                    </a:p>
+                    <a:p>
+                      <a:pPr algn="l" fontAlgn="b"/>
+                      <a:endParaRPr lang="en-IN" sz="1000" b="0" i="0" u="none" strike="noStrike" dirty="0">
+                        <a:solidFill>
+                          <a:srgbClr val="000000"/>
+                        </a:solidFill>
+                        <a:effectLst/>
+                        <a:latin typeface="Arial" panose="020B0604020202020204" pitchFamily="34" charset="0"/>
+                      </a:endParaRPr>
+                    </a:p>
+                  </a:txBody>
+                  <a:tcPr marL="9525" marR="9525" marT="9525" marB="0" anchor="b"/>
+                </a:tc>
+                <a:tc>
+                  <a:txBody>
+                    <a:bodyPr/>
+                    <a:lstStyle/>
+                    <a:p>
+                      <a:pPr algn="r" fontAlgn="b"/>
+                      <a:r>
+                        <a:rPr lang="en-IN" sz="1200" b="0" i="0" u="none" strike="noStrike" dirty="0">
+                          <a:solidFill>
+                            <a:srgbClr val="000000"/>
+                          </a:solidFill>
+                          <a:effectLst/>
+                          <a:latin typeface="Calibri" panose="020F0502020204030204" pitchFamily="34" charset="0"/>
+                        </a:rPr>
+                        <a:t>1</a:t>
+                      </a:r>
+                    </a:p>
+                  </a:txBody>
+                  <a:tcPr marL="9525" marR="9525" marT="9525" marB="0" anchor="b"/>
+                </a:tc>
+                <a:extLst>
+                  <a:ext uri="{0D108BD9-81ED-4DB2-BD59-A6C34878D82A}">
+                    <a16:rowId xmlns:a16="http://schemas.microsoft.com/office/drawing/2014/main" val="2925069692"/>
+                  </a:ext>
+                </a:extLst>
+              </a:tr>
+              <a:tr h="203200">
+                <a:tc>
+                  <a:txBody>
+                    <a:bodyPr/>
+                    <a:lstStyle/>
+                    <a:p>
+                      <a:pPr algn="r" fontAlgn="b"/>
+                      <a:r>
+                        <a:rPr lang="en-IN" sz="1000" u="none" strike="noStrike" dirty="0">
                           <a:effectLst/>
                         </a:rPr>
                         <a:t>989690</a:t>
                       </a:r>
-                      <a:endParaRPr lang="en-IN" sz="1000" b="0" i="0" u="none" strike="noStrike">
+                      <a:endParaRPr lang="en-IN" sz="1000" b="0" i="0" u="none" strike="noStrike" dirty="0">
                         <a:solidFill>
                           <a:srgbClr val="000000"/>
                         </a:solidFill>
@@ -8598,7 +8792,7 @@
         <p:spPr>
           <a:xfrm>
             <a:off x="511628" y="335845"/>
-            <a:ext cx="11911345" cy="6186309"/>
+            <a:ext cx="11911345" cy="6463308"/>
           </a:xfrm>
           <a:prstGeom prst="rect">
             <a:avLst/>
@@ -8712,6 +8906,15 @@
           </a:p>
           <a:p>
             <a:r>
+              <a:rPr lang="en-IN" dirty="0" err="1">
+                <a:solidFill>
+                  <a:srgbClr val="000000"/>
+                </a:solidFill>
+                <a:latin typeface="Menlo" panose="020B0609030804020204" pitchFamily="49" charset="0"/>
+              </a:rPr>
+              <a:t>M</a:t>
+            </a:r>
+            <a:r>
               <a:rPr lang="en-IN" b="0" dirty="0" err="1">
                 <a:solidFill>
                   <a:srgbClr val="000000"/>
@@ -8719,7 +8922,7 @@
                 <a:effectLst/>
                 <a:latin typeface="Menlo" panose="020B0609030804020204" pitchFamily="49" charset="0"/>
               </a:rPr>
-              <a:t>V.video_id</a:t>
+              <a:t>.video_id</a:t>
             </a:r>
             <a:r>
               <a:rPr lang="en-IN" b="0" dirty="0">
@@ -8782,7 +8985,7 @@
                 <a:effectLst/>
                 <a:latin typeface="Menlo" panose="020B0609030804020204" pitchFamily="49" charset="0"/>
               </a:rPr>
-              <a:t>P.person_id</a:t>
+              <a:t>P.name</a:t>
             </a:r>
             <a:endParaRPr lang="en-IN" b="0" dirty="0">
               <a:solidFill>
@@ -8852,17 +9055,45 @@
                 <a:effectLst/>
                 <a:latin typeface="Menlo" panose="020B0609030804020204" pitchFamily="49" charset="0"/>
               </a:rPr>
-              <a:t>Cellular_Components</a:t>
-            </a:r>
-            <a:r>
-              <a:rPr lang="en-IN" b="0" dirty="0">
-                <a:solidFill>
-                  <a:srgbClr val="000000"/>
-                </a:solidFill>
-                <a:effectLst/>
-                <a:latin typeface="Menlo" panose="020B0609030804020204" pitchFamily="49" charset="0"/>
-              </a:rPr>
-              <a:t> C </a:t>
+              <a:t>M</a:t>
+            </a:r>
+            <a:r>
+              <a:rPr lang="en-IN" dirty="0" err="1">
+                <a:solidFill>
+                  <a:srgbClr val="000000"/>
+                </a:solidFill>
+                <a:latin typeface="Menlo" panose="020B0609030804020204" pitchFamily="49" charset="0"/>
+              </a:rPr>
+              <a:t>edia_Component</a:t>
+            </a:r>
+            <a:r>
+              <a:rPr lang="en-IN" b="0" dirty="0">
+                <a:solidFill>
+                  <a:srgbClr val="000000"/>
+                </a:solidFill>
+                <a:effectLst/>
+                <a:latin typeface="Menlo" panose="020B0609030804020204" pitchFamily="49" charset="0"/>
+              </a:rPr>
+              <a:t> </a:t>
+            </a:r>
+            <a:r>
+              <a:rPr lang="en-IN" dirty="0">
+                <a:solidFill>
+                  <a:srgbClr val="000000"/>
+                </a:solidFill>
+                <a:latin typeface="Menlo" panose="020B0609030804020204" pitchFamily="49" charset="0"/>
+              </a:rPr>
+              <a:t>MC</a:t>
+            </a:r>
+            <a:r>
+              <a:rPr lang="en-IN" b="0" dirty="0">
+                <a:solidFill>
+                  <a:srgbClr val="000000"/>
+                </a:solidFill>
+                <a:effectLst/>
+                <a:latin typeface="Menlo" panose="020B0609030804020204" pitchFamily="49" charset="0"/>
+              </a:rPr>
+              <a:t> </a:t>
             </a:r>
             <a:r>
               <a:rPr lang="en-IN" b="0" dirty="0">
@@ -8892,7 +9123,16 @@
                 <a:effectLst/>
                 <a:latin typeface="Menlo" panose="020B0609030804020204" pitchFamily="49" charset="0"/>
               </a:rPr>
-              <a:t>M.pdb_id</a:t>
+              <a:t>M.</a:t>
+            </a:r>
+            <a:r>
+              <a:rPr lang="en-IN" dirty="0" err="1">
+                <a:solidFill>
+                  <a:srgbClr val="000000"/>
+                </a:solidFill>
+                <a:latin typeface="Menlo" panose="020B0609030804020204" pitchFamily="49" charset="0"/>
+              </a:rPr>
+              <a:t>media_id</a:t>
             </a:r>
             <a:r>
               <a:rPr lang="en-IN" b="0" dirty="0">
@@ -8905,6 +9145,15 @@
               <a:t> = </a:t>
             </a:r>
             <a:r>
+              <a:rPr lang="en-IN" dirty="0" err="1">
+                <a:solidFill>
+                  <a:srgbClr val="000000"/>
+                </a:solidFill>
+                <a:latin typeface="Menlo" panose="020B0609030804020204" pitchFamily="49" charset="0"/>
+              </a:rPr>
+              <a:t>MC</a:t>
+            </a:r>
+            <a:r>
               <a:rPr lang="en-IN" b="0" dirty="0" err="1">
                 <a:solidFill>
                   <a:srgbClr val="000000"/>
@@ -8912,14 +9161,70 @@
                 <a:effectLst/>
                 <a:latin typeface="Menlo" panose="020B0609030804020204" pitchFamily="49" charset="0"/>
               </a:rPr>
+              <a:t>.</a:t>
+            </a:r>
+            <a:r>
+              <a:rPr lang="en-IN" dirty="0" err="1">
+                <a:solidFill>
+                  <a:srgbClr val="000000"/>
+                </a:solidFill>
+                <a:latin typeface="Menlo" panose="020B0609030804020204" pitchFamily="49" charset="0"/>
+              </a:rPr>
+              <a:t>media_id</a:t>
+            </a:r>
+            <a:r>
+              <a:rPr lang="en-IN" b="0" dirty="0">
+                <a:solidFill>
+                  <a:srgbClr val="000000"/>
+                </a:solidFill>
+                <a:effectLst/>
+                <a:latin typeface="Menlo" panose="020B0609030804020204" pitchFamily="49" charset="0"/>
+              </a:rPr>
+              <a:t>)</a:t>
+            </a:r>
+          </a:p>
+          <a:p>
+            <a:r>
+              <a:rPr lang="en-IN" dirty="0">
+                <a:solidFill>
+                  <a:srgbClr val="000000"/>
+                </a:solidFill>
+                <a:latin typeface="Menlo" panose="020B0609030804020204" pitchFamily="49" charset="0"/>
+              </a:rPr>
+              <a:t>INNER JOIN Cellular Components C ON (</a:t>
+            </a:r>
+            <a:r>
+              <a:rPr lang="en-IN" dirty="0" err="1">
+                <a:solidFill>
+                  <a:srgbClr val="000000"/>
+                </a:solidFill>
+                <a:latin typeface="Menlo" panose="020B0609030804020204" pitchFamily="49" charset="0"/>
+              </a:rPr>
+              <a:t>MC.pdb_id</a:t>
+            </a:r>
+            <a:r>
+              <a:rPr lang="en-IN" dirty="0">
+                <a:solidFill>
+                  <a:srgbClr val="000000"/>
+                </a:solidFill>
+                <a:latin typeface="Menlo" panose="020B0609030804020204" pitchFamily="49" charset="0"/>
+              </a:rPr>
+              <a:t> = </a:t>
+            </a:r>
+            <a:r>
+              <a:rPr lang="en-IN" dirty="0" err="1">
+                <a:solidFill>
+                  <a:srgbClr val="000000"/>
+                </a:solidFill>
+                <a:latin typeface="Menlo" panose="020B0609030804020204" pitchFamily="49" charset="0"/>
+              </a:rPr>
               <a:t>C.pdb_id</a:t>
             </a:r>
             <a:r>
-              <a:rPr lang="en-IN" b="0" dirty="0">
-                <a:solidFill>
-                  <a:srgbClr val="000000"/>
-                </a:solidFill>
-                <a:effectLst/>
+              <a:rPr lang="en-IN" dirty="0">
+                <a:solidFill>
+                  <a:srgbClr val="000000"/>
+                </a:solidFill>
                 <a:latin typeface="Menlo" panose="020B0609030804020204" pitchFamily="49" charset="0"/>
               </a:rPr>
               <a:t>)</a:t>
@@ -8929,6 +9234,96 @@
             <a:r>
               <a:rPr lang="en-IN" b="0" dirty="0">
                 <a:solidFill>
+                  <a:srgbClr val="000000"/>
+                </a:solidFill>
+                <a:effectLst/>
+                <a:latin typeface="Menlo" panose="020B0609030804020204" pitchFamily="49" charset="0"/>
+              </a:rPr>
+              <a:t>INNER JOIN </a:t>
+            </a:r>
+            <a:r>
+              <a:rPr lang="en-IN" b="0" dirty="0" err="1">
+                <a:solidFill>
+                  <a:srgbClr val="000000"/>
+                </a:solidFill>
+                <a:effectLst/>
+                <a:latin typeface="Menlo" panose="020B0609030804020204" pitchFamily="49" charset="0"/>
+              </a:rPr>
+              <a:t>M</a:t>
+            </a:r>
+            <a:r>
+              <a:rPr lang="en-IN" dirty="0" err="1">
+                <a:solidFill>
+                  <a:srgbClr val="000000"/>
+                </a:solidFill>
+                <a:latin typeface="Menlo" panose="020B0609030804020204" pitchFamily="49" charset="0"/>
+              </a:rPr>
+              <a:t>edia_Person</a:t>
+            </a:r>
+            <a:r>
+              <a:rPr lang="en-IN" b="0" dirty="0">
+                <a:solidFill>
+                  <a:srgbClr val="000000"/>
+                </a:solidFill>
+                <a:effectLst/>
+                <a:latin typeface="Menlo" panose="020B0609030804020204" pitchFamily="49" charset="0"/>
+              </a:rPr>
+              <a:t> ON </a:t>
+            </a:r>
+            <a:r>
+              <a:rPr lang="en-IN" b="0" dirty="0" err="1">
+                <a:solidFill>
+                  <a:srgbClr val="000000"/>
+                </a:solidFill>
+                <a:effectLst/>
+                <a:latin typeface="Menlo" panose="020B0609030804020204" pitchFamily="49" charset="0"/>
+              </a:rPr>
+              <a:t>MP.media_id</a:t>
+            </a:r>
+            <a:r>
+              <a:rPr lang="en-IN" b="0" dirty="0">
+                <a:solidFill>
+                  <a:srgbClr val="000000"/>
+                </a:solidFill>
+                <a:effectLst/>
+                <a:latin typeface="Menlo" panose="020B0609030804020204" pitchFamily="49" charset="0"/>
+              </a:rPr>
+              <a:t> = </a:t>
+            </a:r>
+            <a:r>
+              <a:rPr lang="en-IN" b="0" dirty="0" err="1">
+                <a:solidFill>
+                  <a:srgbClr val="000000"/>
+                </a:solidFill>
+                <a:effectLst/>
+                <a:latin typeface="Menlo" panose="020B0609030804020204" pitchFamily="49" charset="0"/>
+              </a:rPr>
+              <a:t>M.media</a:t>
+            </a:r>
+            <a:r>
+              <a:rPr lang="en-IN" dirty="0" err="1">
+                <a:solidFill>
+                  <a:srgbClr val="000000"/>
+                </a:solidFill>
+                <a:latin typeface="Menlo" panose="020B0609030804020204" pitchFamily="49" charset="0"/>
+              </a:rPr>
+              <a:t>_id</a:t>
+            </a:r>
+            <a:r>
+              <a:rPr lang="en-IN" b="0" dirty="0">
+                <a:solidFill>
+                  <a:srgbClr val="000000"/>
+                </a:solidFill>
+                <a:effectLst/>
+                <a:latin typeface="Menlo" panose="020B0609030804020204" pitchFamily="49" charset="0"/>
+              </a:rPr>
+              <a:t> </a:t>
+            </a:r>
+          </a:p>
+          <a:p>
+            <a:r>
+              <a:rPr lang="en-IN" b="0" dirty="0">
+                <a:solidFill>
                   <a:srgbClr val="0000FF"/>
                 </a:solidFill>
                 <a:effectLst/>
@@ -8944,7 +9339,7 @@
                 <a:effectLst/>
                 <a:latin typeface="Menlo" panose="020B0609030804020204" pitchFamily="49" charset="0"/>
               </a:rPr>
-              <a:t> Video V </a:t>
+              <a:t> Person P </a:t>
             </a:r>
             <a:r>
               <a:rPr lang="en-IN" b="0" dirty="0">
@@ -8974,89 +9369,7 @@
                 <a:effectLst/>
                 <a:latin typeface="Menlo" panose="020B0609030804020204" pitchFamily="49" charset="0"/>
               </a:rPr>
-              <a:t>M.video_id</a:t>
-            </a:r>
-            <a:r>
-              <a:rPr lang="en-IN" b="0" dirty="0">
-                <a:solidFill>
-                  <a:srgbClr val="000000"/>
-                </a:solidFill>
-                <a:effectLst/>
-                <a:latin typeface="Menlo" panose="020B0609030804020204" pitchFamily="49" charset="0"/>
-              </a:rPr>
-              <a:t> = </a:t>
-            </a:r>
-            <a:r>
-              <a:rPr lang="en-IN" b="0" dirty="0" err="1">
-                <a:solidFill>
-                  <a:srgbClr val="000000"/>
-                </a:solidFill>
-                <a:effectLst/>
-                <a:latin typeface="Menlo" panose="020B0609030804020204" pitchFamily="49" charset="0"/>
-              </a:rPr>
-              <a:t>V.video_id</a:t>
-            </a:r>
-            <a:r>
-              <a:rPr lang="en-IN" b="0" dirty="0">
-                <a:solidFill>
-                  <a:srgbClr val="000000"/>
-                </a:solidFill>
-                <a:effectLst/>
-                <a:latin typeface="Menlo" panose="020B0609030804020204" pitchFamily="49" charset="0"/>
-              </a:rPr>
-              <a:t>)</a:t>
-            </a:r>
-          </a:p>
-          <a:p>
-            <a:r>
-              <a:rPr lang="en-IN" b="0" dirty="0">
-                <a:solidFill>
-                  <a:srgbClr val="0000FF"/>
-                </a:solidFill>
-                <a:effectLst/>
-                <a:latin typeface="Menlo" panose="020B0609030804020204" pitchFamily="49" charset="0"/>
-              </a:rPr>
-              <a:t>INNER JOIN</a:t>
-            </a:r>
-            <a:r>
-              <a:rPr lang="en-IN" b="0" dirty="0">
-                <a:solidFill>
-                  <a:srgbClr val="000000"/>
-                </a:solidFill>
-                <a:effectLst/>
-                <a:latin typeface="Menlo" panose="020B0609030804020204" pitchFamily="49" charset="0"/>
-              </a:rPr>
-              <a:t> Person P </a:t>
-            </a:r>
-            <a:r>
-              <a:rPr lang="en-IN" b="0" dirty="0">
-                <a:solidFill>
-                  <a:srgbClr val="0000FF"/>
-                </a:solidFill>
-                <a:effectLst/>
-                <a:latin typeface="Menlo" panose="020B0609030804020204" pitchFamily="49" charset="0"/>
-              </a:rPr>
-              <a:t>ON</a:t>
-            </a:r>
-            <a:r>
-              <a:rPr lang="en-IN" b="0" dirty="0">
-                <a:solidFill>
-                  <a:srgbClr val="000000"/>
-                </a:solidFill>
-                <a:effectLst/>
-                <a:latin typeface="Menlo" panose="020B0609030804020204" pitchFamily="49" charset="0"/>
-              </a:rPr>
-              <a:t> (</a:t>
-            </a:r>
-            <a:r>
-              <a:rPr lang="en-IN" b="0" dirty="0" err="1">
-                <a:solidFill>
-                  <a:srgbClr val="000000"/>
-                </a:solidFill>
-                <a:effectLst/>
-                <a:latin typeface="Menlo" panose="020B0609030804020204" pitchFamily="49" charset="0"/>
-              </a:rPr>
-              <a:t>M.person_id</a:t>
+              <a:t>MP.person_id</a:t>
             </a:r>
             <a:r>
               <a:rPr lang="en-IN" b="0" dirty="0">

--- a/Modelling/Presentation.pptx
+++ b/Modelling/Presentation.pptx
@@ -3815,10 +3815,10 @@
       </p:sp>
       <p:pic>
         <p:nvPicPr>
-          <p:cNvPr id="4" name="Picture 3" descr="Diagram&#10;&#10;Description automatically generated">
+          <p:cNvPr id="5" name="Picture 4" descr="Diagram&#10;&#10;Description automatically generated">
             <a:extLst>
               <a:ext uri="{FF2B5EF4-FFF2-40B4-BE49-F238E27FC236}">
-                <a16:creationId xmlns:a16="http://schemas.microsoft.com/office/drawing/2014/main" id="{14B241D9-261F-07DB-9B18-70540AFD4605}"/>
+                <a16:creationId xmlns:a16="http://schemas.microsoft.com/office/drawing/2014/main" id="{F49BA1CC-3E1A-B2D9-02D0-C50917BC8A8F}"/>
               </a:ext>
             </a:extLst>
           </p:cNvPr>
